--- a/分析提案書_サンプル.pptx
+++ b/分析提案書_サンプル.pptx
@@ -5,10 +5,10 @@
     <p:sldMasterId id="2147483648" r:id="rId1"/>
   </p:sldMasterIdLst>
   <p:notesMasterIdLst>
-    <p:notesMasterId r:id="rId18"/>
+    <p:notesMasterId r:id="rId19"/>
   </p:notesMasterIdLst>
   <p:handoutMasterIdLst>
-    <p:handoutMasterId r:id="rId19"/>
+    <p:handoutMasterId r:id="rId20"/>
   </p:handoutMasterIdLst>
   <p:sldIdLst>
     <p:sldId id="270" r:id="rId2"/>
@@ -18,15 +18,16 @@
     <p:sldId id="290" r:id="rId6"/>
     <p:sldId id="265" r:id="rId7"/>
     <p:sldId id="283" r:id="rId8"/>
-    <p:sldId id="291" r:id="rId9"/>
-    <p:sldId id="285" r:id="rId10"/>
-    <p:sldId id="292" r:id="rId11"/>
-    <p:sldId id="258" r:id="rId12"/>
-    <p:sldId id="261" r:id="rId13"/>
-    <p:sldId id="293" r:id="rId14"/>
-    <p:sldId id="263" r:id="rId15"/>
-    <p:sldId id="266" r:id="rId16"/>
-    <p:sldId id="294" r:id="rId17"/>
+    <p:sldId id="295" r:id="rId9"/>
+    <p:sldId id="291" r:id="rId10"/>
+    <p:sldId id="285" r:id="rId11"/>
+    <p:sldId id="292" r:id="rId12"/>
+    <p:sldId id="258" r:id="rId13"/>
+    <p:sldId id="261" r:id="rId14"/>
+    <p:sldId id="293" r:id="rId15"/>
+    <p:sldId id="263" r:id="rId16"/>
+    <p:sldId id="266" r:id="rId17"/>
+    <p:sldId id="294" r:id="rId18"/>
   </p:sldIdLst>
   <p:sldSz cx="12192000" cy="6858000"/>
   <p:notesSz cx="6858000" cy="9144000"/>
@@ -7018,6 +7019,91 @@
           </a:p>
         </p:txBody>
       </p:sp>
+      <p:sp>
+        <p:nvSpPr>
+          <p:cNvPr id="4" name="四角形: 角を丸くする 3">
+            <a:extLst>
+              <a:ext uri="{FF2B5EF4-FFF2-40B4-BE49-F238E27FC236}">
+                <a16:creationId xmlns:a16="http://schemas.microsoft.com/office/drawing/2014/main" id="{0B5A7EDE-4D1E-5BC3-1286-9AB823D3E1B8}"/>
+              </a:ext>
+            </a:extLst>
+          </p:cNvPr>
+          <p:cNvSpPr/>
+          <p:nvPr/>
+        </p:nvSpPr>
+        <p:spPr>
+          <a:xfrm>
+            <a:off x="161841" y="355374"/>
+            <a:ext cx="7784537" cy="2379059"/>
+          </a:xfrm>
+          <a:prstGeom prst="roundRect">
+            <a:avLst/>
+          </a:prstGeom>
+        </p:spPr>
+        <p:style>
+          <a:lnRef idx="1">
+            <a:schemeClr val="accent3"/>
+          </a:lnRef>
+          <a:fillRef idx="2">
+            <a:schemeClr val="accent3"/>
+          </a:fillRef>
+          <a:effectRef idx="1">
+            <a:schemeClr val="accent3"/>
+          </a:effectRef>
+          <a:fontRef idx="minor">
+            <a:schemeClr val="dk1"/>
+          </a:fontRef>
+        </p:style>
+        <p:txBody>
+          <a:bodyPr rtlCol="0" anchor="ctr"/>
+          <a:lstStyle/>
+          <a:p>
+            <a:r>
+              <a:rPr kumimoji="1" lang="ja-JP" altLang="en-US" sz="1600" b="1" dirty="0"/>
+              <a:t>本資料は、某</a:t>
+            </a:r>
+            <a:r>
+              <a:rPr kumimoji="1" lang="en-US" altLang="ja-JP" sz="1600" b="1" dirty="0"/>
+              <a:t>AI</a:t>
+            </a:r>
+            <a:r>
+              <a:rPr kumimoji="1" lang="ja-JP" altLang="en-US" sz="1600" b="1" dirty="0"/>
+              <a:t>企業の講座課題向けに作成した成果物である</a:t>
+            </a:r>
+            <a:endParaRPr kumimoji="1" lang="en-US" altLang="ja-JP" sz="1600" b="1" dirty="0"/>
+          </a:p>
+          <a:p>
+            <a:endParaRPr kumimoji="1" lang="en-US" altLang="ja-JP" sz="1600" b="1" dirty="0"/>
+          </a:p>
+          <a:p>
+            <a:r>
+              <a:rPr kumimoji="1" lang="en-US" altLang="ja-JP" sz="1600" b="1" dirty="0"/>
+              <a:t>&lt;</a:t>
+            </a:r>
+            <a:r>
+              <a:rPr kumimoji="1" lang="ja-JP" altLang="en-US" sz="1600" b="1" dirty="0"/>
+              <a:t>課題</a:t>
+            </a:r>
+            <a:r>
+              <a:rPr kumimoji="1" lang="en-US" altLang="ja-JP" sz="1600" b="1" dirty="0"/>
+              <a:t>&gt;</a:t>
+            </a:r>
+          </a:p>
+          <a:p>
+            <a:r>
+              <a:rPr kumimoji="1" lang="ja-JP" altLang="en-US" sz="1600" b="1" dirty="0"/>
+              <a:t>気候データに関する業務課題を自分で設定し、分析提案書を作成せよ</a:t>
+            </a:r>
+            <a:endParaRPr kumimoji="1" lang="en-US" altLang="ja-JP" sz="1600" b="1" dirty="0"/>
+          </a:p>
+          <a:p>
+            <a:r>
+              <a:rPr kumimoji="1" lang="ja-JP" altLang="en-US" sz="1600" b="1" dirty="0"/>
+              <a:t>課題設定は自由であるが、現実的かつ社会的意義のある課題を設定すること</a:t>
+            </a:r>
+          </a:p>
+        </p:txBody>
+      </p:sp>
     </p:spTree>
     <p:extLst>
       <p:ext uri="{BB962C8B-B14F-4D97-AF65-F5344CB8AC3E}">
@@ -7048,6 +7134,922 @@
           <a:chExt cx="0" cy="0"/>
         </a:xfrm>
       </p:grpSpPr>
+      <p:graphicFrame>
+        <p:nvGraphicFramePr>
+          <p:cNvPr id="3" name="表 3">
+            <a:extLst>
+              <a:ext uri="{FF2B5EF4-FFF2-40B4-BE49-F238E27FC236}">
+                <a16:creationId xmlns:a16="http://schemas.microsoft.com/office/drawing/2014/main" id="{A63C59EC-CC67-47E3-BD08-1ADF24020FAB}"/>
+              </a:ext>
+            </a:extLst>
+          </p:cNvPr>
+          <p:cNvGraphicFramePr>
+            <a:graphicFrameLocks noGrp="1"/>
+          </p:cNvGraphicFramePr>
+          <p:nvPr>
+            <p:extLst>
+              <p:ext uri="{D42A27DB-BD31-4B8C-83A1-F6EECF244321}">
+                <p14:modId xmlns:p14="http://schemas.microsoft.com/office/powerpoint/2010/main" val="980277843"/>
+              </p:ext>
+            </p:extLst>
+          </p:nvPr>
+        </p:nvGraphicFramePr>
+        <p:xfrm>
+          <a:off x="239406" y="929117"/>
+          <a:ext cx="11713187" cy="4999766"/>
+        </p:xfrm>
+        <a:graphic>
+          <a:graphicData uri="http://schemas.openxmlformats.org/drawingml/2006/table">
+            <a:tbl>
+              <a:tblPr firstRow="1" bandRow="1">
+                <a:tableStyleId>{638B1855-1B75-4FBE-930C-398BA8C253C6}</a:tableStyleId>
+              </a:tblPr>
+              <a:tblGrid>
+                <a:gridCol w="2729745">
+                  <a:extLst>
+                    <a:ext uri="{9D8B030D-6E8A-4147-A177-3AD203B41FA5}">
+                      <a16:colId xmlns:a16="http://schemas.microsoft.com/office/drawing/2014/main" val="3830409214"/>
+                    </a:ext>
+                  </a:extLst>
+                </a:gridCol>
+                <a:gridCol w="8983442">
+                  <a:extLst>
+                    <a:ext uri="{9D8B030D-6E8A-4147-A177-3AD203B41FA5}">
+                      <a16:colId xmlns:a16="http://schemas.microsoft.com/office/drawing/2014/main" val="2152645026"/>
+                    </a:ext>
+                  </a:extLst>
+                </a:gridCol>
+              </a:tblGrid>
+              <a:tr h="469565">
+                <a:tc>
+                  <a:txBody>
+                    <a:bodyPr/>
+                    <a:lstStyle/>
+                    <a:p>
+                      <a:r>
+                        <a:rPr kumimoji="1" lang="ja-JP" altLang="en-US" dirty="0">
+                          <a:solidFill>
+                            <a:schemeClr val="bg1"/>
+                          </a:solidFill>
+                        </a:rPr>
+                        <a:t>問題の設定</a:t>
+                      </a:r>
+                    </a:p>
+                  </a:txBody>
+                  <a:tcPr/>
+                </a:tc>
+                <a:tc>
+                  <a:txBody>
+                    <a:bodyPr/>
+                    <a:lstStyle/>
+                    <a:p>
+                      <a:r>
+                        <a:rPr kumimoji="1" lang="ja-JP" altLang="en-US" dirty="0">
+                          <a:solidFill>
+                            <a:schemeClr val="bg1"/>
+                          </a:solidFill>
+                        </a:rPr>
+                        <a:t>・需要予測</a:t>
+                      </a:r>
+                      <a:r>
+                        <a:rPr kumimoji="1" lang="en-US" altLang="ja-JP" dirty="0">
+                          <a:solidFill>
+                            <a:schemeClr val="bg1"/>
+                          </a:solidFill>
+                        </a:rPr>
+                        <a:t>(+</a:t>
+                      </a:r>
+                      <a:r>
+                        <a:rPr kumimoji="1" lang="ja-JP" altLang="en-US" dirty="0">
+                          <a:solidFill>
+                            <a:schemeClr val="bg1"/>
+                          </a:solidFill>
+                        </a:rPr>
+                        <a:t>気候情報</a:t>
+                      </a:r>
+                      <a:r>
+                        <a:rPr kumimoji="1" lang="en-US" altLang="ja-JP" dirty="0">
+                          <a:solidFill>
+                            <a:schemeClr val="bg1"/>
+                          </a:solidFill>
+                        </a:rPr>
+                        <a:t>)</a:t>
+                      </a:r>
+                      <a:r>
+                        <a:rPr kumimoji="1" lang="ja-JP" altLang="en-US" dirty="0">
+                          <a:solidFill>
+                            <a:schemeClr val="bg1"/>
+                          </a:solidFill>
+                        </a:rPr>
+                        <a:t>による業務改善の有効性検証</a:t>
+                      </a:r>
+                    </a:p>
+                  </a:txBody>
+                  <a:tcPr/>
+                </a:tc>
+                <a:extLst>
+                  <a:ext uri="{0D108BD9-81ED-4DB2-BD59-A6C34878D82A}">
+                    <a16:rowId xmlns:a16="http://schemas.microsoft.com/office/drawing/2014/main" val="1333727035"/>
+                  </a:ext>
+                </a:extLst>
+              </a:tr>
+              <a:tr h="1122688">
+                <a:tc>
+                  <a:txBody>
+                    <a:bodyPr/>
+                    <a:lstStyle/>
+                    <a:p>
+                      <a:r>
+                        <a:rPr kumimoji="1" lang="ja-JP" altLang="en-US" dirty="0">
+                          <a:solidFill>
+                            <a:schemeClr val="bg1"/>
+                          </a:solidFill>
+                        </a:rPr>
+                        <a:t>リサーチ・デザイン</a:t>
+                      </a:r>
+                      <a:endParaRPr kumimoji="1" lang="en-US" altLang="ja-JP" dirty="0">
+                        <a:solidFill>
+                          <a:schemeClr val="bg1"/>
+                        </a:solidFill>
+                      </a:endParaRPr>
+                    </a:p>
+                    <a:p>
+                      <a:r>
+                        <a:rPr kumimoji="1" lang="ja-JP" altLang="en-US" dirty="0">
+                          <a:solidFill>
+                            <a:schemeClr val="bg1"/>
+                          </a:solidFill>
+                        </a:rPr>
+                        <a:t>の決定</a:t>
+                      </a:r>
+                    </a:p>
+                  </a:txBody>
+                  <a:tcPr/>
+                </a:tc>
+                <a:tc>
+                  <a:txBody>
+                    <a:bodyPr/>
+                    <a:lstStyle/>
+                    <a:p>
+                      <a:r>
+                        <a:rPr kumimoji="1" lang="en-US" altLang="ja-JP" dirty="0">
+                          <a:solidFill>
+                            <a:srgbClr val="FF0000"/>
+                          </a:solidFill>
+                        </a:rPr>
+                        <a:t>(</a:t>
+                      </a:r>
+                      <a:r>
+                        <a:rPr kumimoji="1" lang="ja-JP" altLang="en-US" dirty="0">
+                          <a:solidFill>
+                            <a:srgbClr val="FF0000"/>
+                          </a:solidFill>
+                        </a:rPr>
+                        <a:t>探索型リサーチ</a:t>
+                      </a:r>
+                      <a:r>
+                        <a:rPr kumimoji="1" lang="en-US" altLang="ja-JP" dirty="0">
+                          <a:solidFill>
+                            <a:srgbClr val="FF0000"/>
+                          </a:solidFill>
+                        </a:rPr>
+                        <a:t>…※</a:t>
+                      </a:r>
+                      <a:r>
+                        <a:rPr kumimoji="1" lang="ja-JP" altLang="en-US" dirty="0">
+                          <a:solidFill>
+                            <a:srgbClr val="FF0000"/>
+                          </a:solidFill>
+                        </a:rPr>
+                        <a:t>お題が気候という縛りがあるため、気候の影響力を調査</a:t>
+                      </a:r>
+                      <a:r>
+                        <a:rPr kumimoji="1" lang="en-US" altLang="ja-JP" dirty="0">
+                          <a:solidFill>
+                            <a:srgbClr val="FF0000"/>
+                          </a:solidFill>
+                        </a:rPr>
+                        <a:t>)</a:t>
+                      </a:r>
+                    </a:p>
+                    <a:p>
+                      <a:endParaRPr kumimoji="1" lang="en-US" altLang="ja-JP" dirty="0">
+                        <a:solidFill>
+                          <a:schemeClr val="bg1"/>
+                        </a:solidFill>
+                      </a:endParaRPr>
+                    </a:p>
+                    <a:p>
+                      <a:r>
+                        <a:rPr kumimoji="1" lang="ja-JP" altLang="en-US" dirty="0">
+                          <a:solidFill>
+                            <a:schemeClr val="bg1"/>
+                          </a:solidFill>
+                        </a:rPr>
+                        <a:t>・</a:t>
+                      </a:r>
+                      <a:r>
+                        <a:rPr kumimoji="1" lang="ja-JP" altLang="en-US" sz="1800" b="0" kern="1200" dirty="0">
+                          <a:solidFill>
+                            <a:schemeClr val="bg1"/>
+                          </a:solidFill>
+                          <a:effectLst/>
+                        </a:rPr>
+                        <a:t>記述型リサーチ</a:t>
+                      </a:r>
+                      <a:endParaRPr kumimoji="1" lang="en-US" altLang="ja-JP" sz="1800" b="0" kern="1200" dirty="0">
+                        <a:solidFill>
+                          <a:schemeClr val="bg1"/>
+                        </a:solidFill>
+                        <a:effectLst/>
+                      </a:endParaRPr>
+                    </a:p>
+                    <a:p>
+                      <a:r>
+                        <a:rPr kumimoji="1" lang="en-US" altLang="ja-JP" dirty="0">
+                          <a:solidFill>
+                            <a:schemeClr val="bg1"/>
+                          </a:solidFill>
+                        </a:rPr>
+                        <a:t>(</a:t>
+                      </a:r>
+                      <a:r>
+                        <a:rPr kumimoji="1" lang="ja-JP" altLang="en-US" dirty="0">
+                          <a:solidFill>
+                            <a:schemeClr val="bg1"/>
+                          </a:solidFill>
+                        </a:rPr>
+                        <a:t>因果型リサーチ</a:t>
+                      </a:r>
+                      <a:r>
+                        <a:rPr kumimoji="1" lang="en-US" altLang="ja-JP" dirty="0">
+                          <a:solidFill>
+                            <a:schemeClr val="bg1"/>
+                          </a:solidFill>
+                        </a:rPr>
+                        <a:t>…</a:t>
+                      </a:r>
+                      <a:r>
+                        <a:rPr kumimoji="1" lang="ja-JP" altLang="en-US" dirty="0">
+                          <a:solidFill>
+                            <a:schemeClr val="bg1"/>
+                          </a:solidFill>
+                        </a:rPr>
+                        <a:t>他事例から因果関係はあるとし、今回は割愛する</a:t>
+                      </a:r>
+                      <a:r>
+                        <a:rPr kumimoji="1" lang="en-US" altLang="ja-JP" dirty="0">
+                          <a:solidFill>
+                            <a:schemeClr val="bg1"/>
+                          </a:solidFill>
+                        </a:rPr>
+                        <a:t>)</a:t>
+                      </a:r>
+                      <a:endParaRPr kumimoji="1" lang="en-US" altLang="ja-JP" b="0" dirty="0">
+                        <a:solidFill>
+                          <a:schemeClr val="bg1"/>
+                        </a:solidFill>
+                      </a:endParaRPr>
+                    </a:p>
+                  </a:txBody>
+                  <a:tcPr/>
+                </a:tc>
+                <a:extLst>
+                  <a:ext uri="{0D108BD9-81ED-4DB2-BD59-A6C34878D82A}">
+                    <a16:rowId xmlns:a16="http://schemas.microsoft.com/office/drawing/2014/main" val="115576726"/>
+                  </a:ext>
+                </a:extLst>
+              </a:tr>
+              <a:tr h="826881">
+                <a:tc>
+                  <a:txBody>
+                    <a:bodyPr/>
+                    <a:lstStyle/>
+                    <a:p>
+                      <a:r>
+                        <a:rPr kumimoji="1" lang="ja-JP" altLang="en-US" dirty="0">
+                          <a:solidFill>
+                            <a:schemeClr val="bg1"/>
+                          </a:solidFill>
+                        </a:rPr>
+                        <a:t>データ収集の方法・</a:t>
+                      </a:r>
+                      <a:endParaRPr kumimoji="1" lang="en-US" altLang="ja-JP" dirty="0">
+                        <a:solidFill>
+                          <a:schemeClr val="bg1"/>
+                        </a:solidFill>
+                      </a:endParaRPr>
+                    </a:p>
+                    <a:p>
+                      <a:r>
+                        <a:rPr kumimoji="1" lang="ja-JP" altLang="en-US" dirty="0">
+                          <a:solidFill>
+                            <a:schemeClr val="bg1"/>
+                          </a:solidFill>
+                        </a:rPr>
+                        <a:t>形式のデザイン</a:t>
+                      </a:r>
+                    </a:p>
+                  </a:txBody>
+                  <a:tcPr/>
+                </a:tc>
+                <a:tc>
+                  <a:txBody>
+                    <a:bodyPr/>
+                    <a:lstStyle/>
+                    <a:p>
+                      <a:r>
+                        <a:rPr kumimoji="1" lang="ja-JP" altLang="en-US" dirty="0">
+                          <a:solidFill>
+                            <a:schemeClr val="bg1"/>
+                          </a:solidFill>
+                        </a:rPr>
+                        <a:t>■データ収集の方法</a:t>
+                      </a:r>
+                      <a:endParaRPr kumimoji="1" lang="en-US" altLang="ja-JP" dirty="0">
+                        <a:solidFill>
+                          <a:schemeClr val="bg1"/>
+                        </a:solidFill>
+                      </a:endParaRPr>
+                    </a:p>
+                    <a:p>
+                      <a:r>
+                        <a:rPr kumimoji="1" lang="en-US" altLang="ja-JP" dirty="0">
+                          <a:solidFill>
+                            <a:schemeClr val="bg1"/>
+                          </a:solidFill>
+                        </a:rPr>
+                        <a:t>Kaggle(2</a:t>
+                      </a:r>
+                      <a:r>
+                        <a:rPr kumimoji="1" lang="ja-JP" altLang="en-US" dirty="0">
+                          <a:solidFill>
+                            <a:schemeClr val="bg1"/>
+                          </a:solidFill>
+                        </a:rPr>
+                        <a:t>次データ：特定の目的で集めたデータではない</a:t>
+                      </a:r>
+                      <a:r>
+                        <a:rPr kumimoji="1" lang="en-US" altLang="ja-JP" dirty="0">
+                          <a:solidFill>
+                            <a:schemeClr val="bg1"/>
+                          </a:solidFill>
+                        </a:rPr>
+                        <a:t>)</a:t>
+                      </a:r>
+                    </a:p>
+                  </a:txBody>
+                  <a:tcPr/>
+                </a:tc>
+                <a:extLst>
+                  <a:ext uri="{0D108BD9-81ED-4DB2-BD59-A6C34878D82A}">
+                    <a16:rowId xmlns:a16="http://schemas.microsoft.com/office/drawing/2014/main" val="965294598"/>
+                  </a:ext>
+                </a:extLst>
+              </a:tr>
+              <a:tr h="611867">
+                <a:tc>
+                  <a:txBody>
+                    <a:bodyPr/>
+                    <a:lstStyle/>
+                    <a:p>
+                      <a:r>
+                        <a:rPr kumimoji="1" lang="ja-JP" altLang="en-US" dirty="0">
+                          <a:solidFill>
+                            <a:schemeClr val="bg1"/>
+                          </a:solidFill>
+                        </a:rPr>
+                        <a:t>測定尺度とデータ分析</a:t>
+                      </a:r>
+                    </a:p>
+                  </a:txBody>
+                  <a:tcPr/>
+                </a:tc>
+                <a:tc>
+                  <a:txBody>
+                    <a:bodyPr/>
+                    <a:lstStyle/>
+                    <a:p>
+                      <a:r>
+                        <a:rPr kumimoji="1" lang="ja-JP" altLang="en-US" dirty="0">
+                          <a:solidFill>
+                            <a:schemeClr val="bg1"/>
+                          </a:solidFill>
+                        </a:rPr>
+                        <a:t>■測定尺度</a:t>
+                      </a:r>
+                      <a:endParaRPr kumimoji="1" lang="en-US" altLang="ja-JP" dirty="0">
+                        <a:solidFill>
+                          <a:schemeClr val="bg1"/>
+                        </a:solidFill>
+                      </a:endParaRPr>
+                    </a:p>
+                    <a:p>
+                      <a:r>
+                        <a:rPr kumimoji="1" lang="ja-JP" altLang="en-US" dirty="0">
+                          <a:solidFill>
+                            <a:schemeClr val="bg1"/>
+                          </a:solidFill>
+                        </a:rPr>
+                        <a:t>来客数</a:t>
+                      </a:r>
+                      <a:r>
+                        <a:rPr kumimoji="1" lang="en-US" altLang="ja-JP" dirty="0">
+                          <a:solidFill>
+                            <a:schemeClr val="bg1"/>
+                          </a:solidFill>
+                        </a:rPr>
+                        <a:t>(</a:t>
+                      </a:r>
+                      <a:r>
+                        <a:rPr kumimoji="1" lang="ja-JP" altLang="en-US" dirty="0">
+                          <a:solidFill>
+                            <a:schemeClr val="bg1"/>
+                          </a:solidFill>
+                        </a:rPr>
+                        <a:t>比尺度</a:t>
+                      </a:r>
+                      <a:r>
+                        <a:rPr kumimoji="1" lang="en-US" altLang="ja-JP" dirty="0">
+                          <a:solidFill>
+                            <a:schemeClr val="bg1"/>
+                          </a:solidFill>
+                        </a:rPr>
+                        <a:t>)</a:t>
+                      </a:r>
+                      <a:endParaRPr kumimoji="1" lang="ja-JP" altLang="en-US" dirty="0">
+                        <a:solidFill>
+                          <a:schemeClr val="bg1"/>
+                        </a:solidFill>
+                      </a:endParaRPr>
+                    </a:p>
+                  </a:txBody>
+                  <a:tcPr/>
+                </a:tc>
+                <a:extLst>
+                  <a:ext uri="{0D108BD9-81ED-4DB2-BD59-A6C34878D82A}">
+                    <a16:rowId xmlns:a16="http://schemas.microsoft.com/office/drawing/2014/main" val="809921767"/>
+                  </a:ext>
+                </a:extLst>
+              </a:tr>
+              <a:tr h="912184">
+                <a:tc>
+                  <a:txBody>
+                    <a:bodyPr/>
+                    <a:lstStyle/>
+                    <a:p>
+                      <a:r>
+                        <a:rPr kumimoji="1" lang="ja-JP" altLang="en-US" dirty="0">
+                          <a:solidFill>
+                            <a:schemeClr val="bg1"/>
+                          </a:solidFill>
+                        </a:rPr>
+                        <a:t>調査報告</a:t>
+                      </a:r>
+                    </a:p>
+                  </a:txBody>
+                  <a:tcPr/>
+                </a:tc>
+                <a:tc>
+                  <a:txBody>
+                    <a:bodyPr/>
+                    <a:lstStyle/>
+                    <a:p>
+                      <a:r>
+                        <a:rPr kumimoji="1" lang="en-US" altLang="ja-JP" dirty="0">
+                          <a:solidFill>
+                            <a:srgbClr val="FF0000"/>
+                          </a:solidFill>
+                        </a:rPr>
+                        <a:t>※</a:t>
+                      </a:r>
+                      <a:r>
+                        <a:rPr kumimoji="1" lang="ja-JP" altLang="en-US" dirty="0">
+                          <a:solidFill>
+                            <a:srgbClr val="FF0000"/>
+                          </a:solidFill>
+                        </a:rPr>
+                        <a:t>本来なら、「探索型リサーチにより、</a:t>
+                      </a:r>
+                      <a:r>
+                        <a:rPr kumimoji="1" lang="en-US" altLang="ja-JP" dirty="0">
+                          <a:solidFill>
+                            <a:srgbClr val="FF0000"/>
+                          </a:solidFill>
+                        </a:rPr>
+                        <a:t>xxx</a:t>
+                      </a:r>
+                      <a:r>
+                        <a:rPr kumimoji="1" lang="ja-JP" altLang="en-US" dirty="0">
+                          <a:solidFill>
+                            <a:srgbClr val="FF0000"/>
+                          </a:solidFill>
+                        </a:rPr>
+                        <a:t>要素と、</a:t>
+                      </a:r>
+                      <a:r>
+                        <a:rPr kumimoji="1" lang="en-US" altLang="ja-JP" dirty="0" err="1">
+                          <a:solidFill>
+                            <a:srgbClr val="FF0000"/>
+                          </a:solidFill>
+                        </a:rPr>
+                        <a:t>yyyy</a:t>
+                      </a:r>
+                      <a:r>
+                        <a:rPr kumimoji="1" lang="ja-JP" altLang="en-US" dirty="0">
+                          <a:solidFill>
+                            <a:srgbClr val="FF0000"/>
+                          </a:solidFill>
+                        </a:rPr>
+                        <a:t>要素が候補であり、因果型リサーチの結果、</a:t>
+                      </a:r>
+                      <a:r>
+                        <a:rPr kumimoji="1" lang="en-US" altLang="ja-JP" dirty="0">
+                          <a:solidFill>
+                            <a:srgbClr val="FF0000"/>
+                          </a:solidFill>
+                        </a:rPr>
+                        <a:t>xxx</a:t>
+                      </a:r>
+                      <a:r>
+                        <a:rPr kumimoji="1" lang="ja-JP" altLang="en-US" dirty="0">
+                          <a:solidFill>
+                            <a:srgbClr val="FF0000"/>
+                          </a:solidFill>
+                        </a:rPr>
+                        <a:t>要素が因子の可能性が高く、記述型リサーチをしたところ、高精度で予測可能なことを示した」といった報告が理想</a:t>
+                      </a:r>
+                      <a:endParaRPr kumimoji="1" lang="en-US" altLang="ja-JP" dirty="0">
+                        <a:solidFill>
+                          <a:srgbClr val="FF0000"/>
+                        </a:solidFill>
+                      </a:endParaRPr>
+                    </a:p>
+                    <a:p>
+                      <a:endParaRPr kumimoji="1" lang="en-US" altLang="ja-JP" sz="900" dirty="0"/>
+                    </a:p>
+                    <a:p>
+                      <a:r>
+                        <a:rPr kumimoji="1" lang="ja-JP" altLang="en-US" dirty="0">
+                          <a:solidFill>
+                            <a:schemeClr val="bg1"/>
+                          </a:solidFill>
+                        </a:rPr>
+                        <a:t>・</a:t>
+                      </a:r>
+                      <a:r>
+                        <a:rPr kumimoji="1" lang="ja-JP" altLang="en-US" sz="1800" b="0" kern="1200" dirty="0">
+                          <a:solidFill>
+                            <a:schemeClr val="bg1"/>
+                          </a:solidFill>
+                          <a:effectLst/>
+                        </a:rPr>
+                        <a:t>記述型リサーチ</a:t>
+                      </a:r>
+                      <a:endParaRPr kumimoji="1" lang="en-US" altLang="ja-JP" sz="1800" b="0" kern="1200" dirty="0">
+                        <a:solidFill>
+                          <a:schemeClr val="bg1"/>
+                        </a:solidFill>
+                        <a:effectLst/>
+                      </a:endParaRPr>
+                    </a:p>
+                    <a:p>
+                      <a:r>
+                        <a:rPr kumimoji="1" lang="ja-JP" altLang="en-US" sz="1800" b="0" kern="1200" dirty="0">
+                          <a:solidFill>
+                            <a:schemeClr val="bg1"/>
+                          </a:solidFill>
+                          <a:effectLst/>
+                        </a:rPr>
+                        <a:t>  →</a:t>
+                      </a:r>
+                      <a:r>
+                        <a:rPr kumimoji="1" lang="en-US" altLang="ja-JP" sz="1800" b="0" kern="1200" dirty="0" err="1">
+                          <a:solidFill>
+                            <a:schemeClr val="bg1"/>
+                          </a:solidFill>
+                          <a:effectLst/>
+                        </a:rPr>
+                        <a:t>XGBoost</a:t>
+                      </a:r>
+                      <a:r>
+                        <a:rPr kumimoji="1" lang="ja-JP" altLang="en-US" sz="1800" b="0" kern="1200" dirty="0">
+                          <a:solidFill>
+                            <a:schemeClr val="bg1"/>
+                          </a:solidFill>
+                          <a:effectLst/>
+                        </a:rPr>
+                        <a:t>アルゴリズムで予測したところ、 </a:t>
+                      </a:r>
+                      <a:r>
+                        <a:rPr kumimoji="1" lang="en-US" altLang="ja-JP" sz="1800" b="0" kern="1200" dirty="0">
+                          <a:solidFill>
+                            <a:schemeClr val="bg1"/>
+                          </a:solidFill>
+                          <a:effectLst/>
+                        </a:rPr>
+                        <a:t>RMSE:10</a:t>
+                      </a:r>
+                      <a:r>
+                        <a:rPr kumimoji="1" lang="ja-JP" altLang="en-US" sz="1800" b="0" kern="1200" dirty="0">
+                          <a:solidFill>
+                            <a:schemeClr val="bg1"/>
+                          </a:solidFill>
+                          <a:effectLst/>
+                        </a:rPr>
+                        <a:t>人</a:t>
+                      </a:r>
+                      <a:r>
+                        <a:rPr kumimoji="1" lang="en-US" altLang="ja-JP" sz="1800" b="0" kern="1200" dirty="0">
+                          <a:solidFill>
+                            <a:schemeClr val="bg1"/>
+                          </a:solidFill>
+                          <a:effectLst/>
+                        </a:rPr>
+                        <a:t>/</a:t>
+                      </a:r>
+                      <a:r>
+                        <a:rPr kumimoji="1" lang="ja-JP" altLang="en-US" sz="1800" b="0" kern="1200" dirty="0">
+                          <a:solidFill>
+                            <a:schemeClr val="bg1"/>
+                          </a:solidFill>
+                          <a:effectLst/>
+                        </a:rPr>
+                        <a:t>日で予測可能</a:t>
+                      </a:r>
+                      <a:endParaRPr kumimoji="1" lang="en-US" altLang="ja-JP" sz="1800" b="0" kern="1200" dirty="0">
+                        <a:solidFill>
+                          <a:schemeClr val="bg1"/>
+                        </a:solidFill>
+                        <a:effectLst/>
+                      </a:endParaRPr>
+                    </a:p>
+                    <a:p>
+                      <a:endParaRPr kumimoji="1" lang="ja-JP" altLang="en-US" dirty="0"/>
+                    </a:p>
+                  </a:txBody>
+                  <a:tcPr/>
+                </a:tc>
+                <a:extLst>
+                  <a:ext uri="{0D108BD9-81ED-4DB2-BD59-A6C34878D82A}">
+                    <a16:rowId xmlns:a16="http://schemas.microsoft.com/office/drawing/2014/main" val="297155763"/>
+                  </a:ext>
+                </a:extLst>
+              </a:tr>
+            </a:tbl>
+          </a:graphicData>
+        </a:graphic>
+      </p:graphicFrame>
+      <p:sp>
+        <p:nvSpPr>
+          <p:cNvPr id="4" name="タイトル 1">
+            <a:extLst>
+              <a:ext uri="{FF2B5EF4-FFF2-40B4-BE49-F238E27FC236}">
+                <a16:creationId xmlns:a16="http://schemas.microsoft.com/office/drawing/2014/main" id="{84BA2DE3-DF44-1495-B6B4-BBA51C71A465}"/>
+              </a:ext>
+            </a:extLst>
+          </p:cNvPr>
+          <p:cNvSpPr txBox="1">
+            <a:spLocks/>
+          </p:cNvSpPr>
+          <p:nvPr/>
+        </p:nvSpPr>
+        <p:spPr>
+          <a:xfrm>
+            <a:off x="346152" y="169223"/>
+            <a:ext cx="10058400" cy="578200"/>
+          </a:xfrm>
+          <a:prstGeom prst="rect">
+            <a:avLst/>
+          </a:prstGeom>
+        </p:spPr>
+        <p:txBody>
+          <a:bodyPr/>
+          <a:lstStyle>
+            <a:lvl1pPr algn="l" defTabSz="914400" rtl="0" eaLnBrk="1" latinLnBrk="0" hangingPunct="1">
+              <a:lnSpc>
+                <a:spcPct val="85000"/>
+              </a:lnSpc>
+              <a:spcBef>
+                <a:spcPct val="0"/>
+              </a:spcBef>
+              <a:buNone/>
+              <a:defRPr kumimoji="1" sz="4800" kern="1200" spc="-50" baseline="0">
+                <a:solidFill>
+                  <a:schemeClr val="tx1">
+                    <a:lumMod val="75000"/>
+                    <a:lumOff val="25000"/>
+                  </a:schemeClr>
+                </a:solidFill>
+                <a:latin typeface="+mj-lt"/>
+                <a:ea typeface="+mj-ea"/>
+                <a:cs typeface="+mj-cs"/>
+              </a:defRPr>
+            </a:lvl1pPr>
+          </a:lstStyle>
+          <a:p>
+            <a:r>
+              <a:rPr lang="ja-JP" altLang="en-US" dirty="0"/>
+              <a:t>リサーチ設計・結果サマリ</a:t>
+            </a:r>
+          </a:p>
+        </p:txBody>
+      </p:sp>
+      <p:sp>
+        <p:nvSpPr>
+          <p:cNvPr id="2" name="四角形: 角を丸くする 1">
+            <a:extLst>
+              <a:ext uri="{FF2B5EF4-FFF2-40B4-BE49-F238E27FC236}">
+                <a16:creationId xmlns:a16="http://schemas.microsoft.com/office/drawing/2014/main" id="{FF40539F-4F8E-FB39-93E5-36FBD1D34023}"/>
+              </a:ext>
+            </a:extLst>
+          </p:cNvPr>
+          <p:cNvSpPr/>
+          <p:nvPr/>
+        </p:nvSpPr>
+        <p:spPr>
+          <a:xfrm>
+            <a:off x="1160029" y="5735067"/>
+            <a:ext cx="9718262" cy="953710"/>
+          </a:xfrm>
+          <a:prstGeom prst="roundRect">
+            <a:avLst/>
+          </a:prstGeom>
+          <a:ln w="38100">
+            <a:solidFill>
+              <a:srgbClr val="FF0000"/>
+            </a:solidFill>
+          </a:ln>
+        </p:spPr>
+        <p:style>
+          <a:lnRef idx="2">
+            <a:schemeClr val="accent1"/>
+          </a:lnRef>
+          <a:fillRef idx="1">
+            <a:schemeClr val="lt1"/>
+          </a:fillRef>
+          <a:effectRef idx="0">
+            <a:schemeClr val="accent1"/>
+          </a:effectRef>
+          <a:fontRef idx="minor">
+            <a:schemeClr val="dk1"/>
+          </a:fontRef>
+        </p:style>
+        <p:txBody>
+          <a:bodyPr rtlCol="0" anchor="ctr"/>
+          <a:lstStyle/>
+          <a:p>
+            <a:pPr algn="ctr"/>
+            <a:r>
+              <a:rPr kumimoji="1" lang="en-US" altLang="ja-JP" b="1" dirty="0">
+                <a:solidFill>
+                  <a:srgbClr val="FF0000"/>
+                </a:solidFill>
+              </a:rPr>
+              <a:t>※</a:t>
+            </a:r>
+            <a:r>
+              <a:rPr kumimoji="1" lang="ja-JP" altLang="en-US" b="1" dirty="0">
+                <a:solidFill>
+                  <a:srgbClr val="FF0000"/>
+                </a:solidFill>
+              </a:rPr>
+              <a:t>実際の現場では、予測誤差</a:t>
+            </a:r>
+            <a:r>
+              <a:rPr kumimoji="1" lang="en-US" altLang="ja-JP" b="1" dirty="0">
+                <a:solidFill>
+                  <a:srgbClr val="FF0000"/>
+                </a:solidFill>
+              </a:rPr>
+              <a:t>x</a:t>
+            </a:r>
+            <a:r>
+              <a:rPr kumimoji="1" lang="ja-JP" altLang="en-US" b="1" dirty="0">
+                <a:solidFill>
+                  <a:srgbClr val="FF0000"/>
+                </a:solidFill>
+              </a:rPr>
+              <a:t>人なら利益が出るか計算の上、調査結果と比較して、「有効</a:t>
+            </a:r>
+            <a:r>
+              <a:rPr kumimoji="1" lang="en-US" altLang="ja-JP" b="1" dirty="0">
+                <a:solidFill>
+                  <a:srgbClr val="FF0000"/>
+                </a:solidFill>
+              </a:rPr>
+              <a:t>/</a:t>
+            </a:r>
+            <a:r>
+              <a:rPr kumimoji="1" lang="ja-JP" altLang="en-US" b="1" dirty="0">
+                <a:solidFill>
+                  <a:srgbClr val="FF0000"/>
+                </a:solidFill>
+              </a:rPr>
+              <a:t>無効」を判断するが、</a:t>
+            </a:r>
+            <a:r>
+              <a:rPr kumimoji="1" lang="en-US" altLang="ja-JP" b="1" dirty="0">
+                <a:solidFill>
+                  <a:srgbClr val="FF0000"/>
+                </a:solidFill>
+              </a:rPr>
+              <a:t>10</a:t>
+            </a:r>
+            <a:r>
+              <a:rPr kumimoji="1" lang="ja-JP" altLang="en-US" b="1" dirty="0">
+                <a:solidFill>
+                  <a:srgbClr val="FF0000"/>
+                </a:solidFill>
+              </a:rPr>
+              <a:t>名</a:t>
+            </a:r>
+            <a:r>
+              <a:rPr kumimoji="1" lang="en-US" altLang="ja-JP" b="1" dirty="0">
+                <a:solidFill>
+                  <a:srgbClr val="FF0000"/>
+                </a:solidFill>
+              </a:rPr>
+              <a:t>(=4,5</a:t>
+            </a:r>
+            <a:r>
+              <a:rPr kumimoji="1" lang="ja-JP" altLang="en-US" b="1" dirty="0">
+                <a:solidFill>
+                  <a:srgbClr val="FF0000"/>
+                </a:solidFill>
+              </a:rPr>
+              <a:t>組</a:t>
+            </a:r>
+            <a:r>
+              <a:rPr kumimoji="1" lang="en-US" altLang="ja-JP" b="1" dirty="0">
+                <a:solidFill>
+                  <a:srgbClr val="FF0000"/>
+                </a:solidFill>
+              </a:rPr>
+              <a:t>)</a:t>
+            </a:r>
+            <a:r>
+              <a:rPr kumimoji="1" lang="ja-JP" altLang="en-US" b="1" dirty="0">
+                <a:solidFill>
+                  <a:srgbClr val="FF0000"/>
+                </a:solidFill>
+              </a:rPr>
+              <a:t>予測が外れると、廃棄率やシフト調整がそこまで最適化されない </a:t>
+            </a:r>
+            <a:r>
+              <a:rPr kumimoji="1" lang="en-US" altLang="ja-JP" b="1" dirty="0">
+                <a:solidFill>
+                  <a:srgbClr val="FF0000"/>
+                </a:solidFill>
+              </a:rPr>
+              <a:t>= </a:t>
+            </a:r>
+            <a:r>
+              <a:rPr kumimoji="1" lang="ja-JP" altLang="en-US" b="1" dirty="0">
+                <a:solidFill>
+                  <a:srgbClr val="FF0000"/>
+                </a:solidFill>
+              </a:rPr>
+              <a:t>業務改善につながらないと判断し、ここでは無効と結論づける</a:t>
+            </a:r>
+            <a:endParaRPr kumimoji="1" lang="ja-JP" altLang="en-US" dirty="0">
+              <a:solidFill>
+                <a:srgbClr val="FF0000"/>
+              </a:solidFill>
+            </a:endParaRPr>
+          </a:p>
+        </p:txBody>
+      </p:sp>
+    </p:spTree>
+    <p:extLst>
+      <p:ext uri="{BB962C8B-B14F-4D97-AF65-F5344CB8AC3E}">
+        <p14:creationId xmlns:p14="http://schemas.microsoft.com/office/powerpoint/2010/main" val="1157937083"/>
+      </p:ext>
+    </p:extLst>
+  </p:cSld>
+  <p:clrMapOvr>
+    <a:masterClrMapping/>
+  </p:clrMapOvr>
+</p:sld>
+</file>
+
+<file path=ppt/slides/slide11.xml><?xml version="1.0" encoding="utf-8"?>
+<p:sld xmlns:a="http://schemas.openxmlformats.org/drawingml/2006/main" xmlns:r="http://schemas.openxmlformats.org/officeDocument/2006/relationships" xmlns:p="http://schemas.openxmlformats.org/presentationml/2006/main">
+  <p:cSld>
+    <p:spTree>
+      <p:nvGrpSpPr>
+        <p:cNvPr id="1" name=""/>
+        <p:cNvGrpSpPr/>
+        <p:nvPr/>
+      </p:nvGrpSpPr>
+      <p:grpSpPr>
+        <a:xfrm>
+          <a:off x="0" y="0"/>
+          <a:ext cx="0" cy="0"/>
+          <a:chOff x="0" y="0"/>
+          <a:chExt cx="0" cy="0"/>
+        </a:xfrm>
+      </p:grpSpPr>
       <p:sp>
         <p:nvSpPr>
           <p:cNvPr id="2" name="タイトル 1">
@@ -7115,7 +8117,7 @@
 </p:sld>
 </file>
 
-<file path=ppt/slides/slide11.xml><?xml version="1.0" encoding="utf-8"?>
+<file path=ppt/slides/slide12.xml><?xml version="1.0" encoding="utf-8"?>
 <p:sld xmlns:a="http://schemas.openxmlformats.org/drawingml/2006/main" xmlns:r="http://schemas.openxmlformats.org/officeDocument/2006/relationships" xmlns:p="http://schemas.openxmlformats.org/presentationml/2006/main">
   <p:cSld>
     <p:spTree>
@@ -8082,7 +9084,7 @@
 </p:sld>
 </file>
 
-<file path=ppt/slides/slide12.xml><?xml version="1.0" encoding="utf-8"?>
+<file path=ppt/slides/slide13.xml><?xml version="1.0" encoding="utf-8"?>
 <p:sld xmlns:a="http://schemas.openxmlformats.org/drawingml/2006/main" xmlns:r="http://schemas.openxmlformats.org/officeDocument/2006/relationships" xmlns:p="http://schemas.openxmlformats.org/presentationml/2006/main">
   <p:cSld>
     <p:spTree>
@@ -8284,7 +9286,7 @@
 </p:sld>
 </file>
 
-<file path=ppt/slides/slide13.xml><?xml version="1.0" encoding="utf-8"?>
+<file path=ppt/slides/slide14.xml><?xml version="1.0" encoding="utf-8"?>
 <p:sld xmlns:a="http://schemas.openxmlformats.org/drawingml/2006/main" xmlns:r="http://schemas.openxmlformats.org/officeDocument/2006/relationships" xmlns:p="http://schemas.openxmlformats.org/presentationml/2006/main">
   <p:cSld>
     <p:spTree>
@@ -8348,7 +9350,7 @@
             <a:r>
               <a:rPr kumimoji="1" lang="en-US" altLang="ja-JP" dirty="0">
                 <a:solidFill>
-                  <a:srgbClr val="FFC000"/>
+                  <a:srgbClr val="FF0000"/>
                 </a:solidFill>
               </a:rPr>
               <a:t>※</a:t>
@@ -8356,15 +9358,23 @@
             <a:r>
               <a:rPr kumimoji="1" lang="ja-JP" altLang="en-US" dirty="0">
                 <a:solidFill>
-                  <a:srgbClr val="FFC000"/>
+                  <a:srgbClr val="FF0000"/>
                 </a:solidFill>
               </a:rPr>
               <a:t>本来、データに関する説明が必要だが、ここでは割愛する</a:t>
             </a:r>
-            <a:endParaRPr kumimoji="1" lang="en-US" altLang="ja-JP" dirty="0"/>
-          </a:p>
-          <a:p>
-            <a:endParaRPr kumimoji="1" lang="en-US" altLang="ja-JP" dirty="0"/>
+            <a:endParaRPr kumimoji="1" lang="en-US" altLang="ja-JP" dirty="0">
+              <a:solidFill>
+                <a:srgbClr val="FF0000"/>
+              </a:solidFill>
+            </a:endParaRPr>
+          </a:p>
+          <a:p>
+            <a:endParaRPr kumimoji="1" lang="en-US" altLang="ja-JP" dirty="0">
+              <a:solidFill>
+                <a:srgbClr val="FF0000"/>
+              </a:solidFill>
+            </a:endParaRPr>
           </a:p>
         </p:txBody>
       </p:sp>
@@ -8441,7 +9451,7 @@
 </p:sld>
 </file>
 
-<file path=ppt/slides/slide14.xml><?xml version="1.0" encoding="utf-8"?>
+<file path=ppt/slides/slide15.xml><?xml version="1.0" encoding="utf-8"?>
 <p:sld xmlns:a="http://schemas.openxmlformats.org/drawingml/2006/main" xmlns:r="http://schemas.openxmlformats.org/officeDocument/2006/relationships" xmlns:p="http://schemas.openxmlformats.org/presentationml/2006/main">
   <p:cSld>
     <p:spTree>
@@ -8571,7 +9581,7 @@
 </p:sld>
 </file>
 
-<file path=ppt/slides/slide15.xml><?xml version="1.0" encoding="utf-8"?>
+<file path=ppt/slides/slide16.xml><?xml version="1.0" encoding="utf-8"?>
 <p:sld xmlns:a="http://schemas.openxmlformats.org/drawingml/2006/main" xmlns:r="http://schemas.openxmlformats.org/officeDocument/2006/relationships" xmlns:p="http://schemas.openxmlformats.org/presentationml/2006/main">
   <p:cSld>
     <p:spTree>
@@ -8836,7 +9846,7 @@
 </p:sld>
 </file>
 
-<file path=ppt/slides/slide16.xml><?xml version="1.0" encoding="utf-8"?>
+<file path=ppt/slides/slide17.xml><?xml version="1.0" encoding="utf-8"?>
 <p:sld xmlns:a="http://schemas.openxmlformats.org/drawingml/2006/main" xmlns:r="http://schemas.openxmlformats.org/officeDocument/2006/relationships" xmlns:p="http://schemas.openxmlformats.org/presentationml/2006/main">
   <p:cSld>
     <p:spTree>
@@ -9211,7 +10221,7 @@
             <a:r>
               <a:rPr kumimoji="1" lang="en-US" altLang="ja-JP" b="1" dirty="0">
                 <a:solidFill>
-                  <a:srgbClr val="FF0000"/>
+                  <a:schemeClr val="bg1"/>
                 </a:solidFill>
               </a:rPr>
               <a:t>&lt;</a:t>
@@ -9219,7 +10229,7 @@
             <a:r>
               <a:rPr kumimoji="1" lang="ja-JP" altLang="en-US" b="1" dirty="0">
                 <a:solidFill>
-                  <a:srgbClr val="FF0000"/>
+                  <a:schemeClr val="bg1"/>
                 </a:solidFill>
               </a:rPr>
               <a:t>結論</a:t>
@@ -9227,7 +10237,7 @@
             <a:r>
               <a:rPr kumimoji="1" lang="en-US" altLang="ja-JP" b="1" dirty="0">
                 <a:solidFill>
-                  <a:srgbClr val="FF0000"/>
+                  <a:schemeClr val="bg1"/>
                 </a:solidFill>
               </a:rPr>
               <a:t>&gt;</a:t>
@@ -9238,7 +10248,7 @@
             <a:r>
               <a:rPr kumimoji="1" lang="ja-JP" altLang="en-US" b="1" dirty="0">
                 <a:solidFill>
-                  <a:srgbClr val="FF0000"/>
+                  <a:schemeClr val="bg1"/>
                 </a:solidFill>
               </a:rPr>
               <a:t>気候情報は予測にある程度は寄与しているとはいえ、業務インパクト</a:t>
@@ -9246,7 +10256,7 @@
             <a:r>
               <a:rPr kumimoji="1" lang="en-US" altLang="ja-JP" b="1" dirty="0">
                 <a:solidFill>
-                  <a:srgbClr val="FF0000"/>
+                  <a:schemeClr val="bg1"/>
                 </a:solidFill>
               </a:rPr>
               <a:t>(</a:t>
@@ -9254,7 +10264,7 @@
             <a:r>
               <a:rPr kumimoji="1" lang="ja-JP" altLang="en-US" b="1" dirty="0">
                 <a:solidFill>
-                  <a:srgbClr val="FF0000"/>
+                  <a:schemeClr val="bg1"/>
                 </a:solidFill>
               </a:rPr>
               <a:t>予測誤差：人数</a:t>
@@ -9262,7 +10272,7 @@
             <a:r>
               <a:rPr kumimoji="1" lang="en-US" altLang="ja-JP" b="1" dirty="0">
                 <a:solidFill>
-                  <a:srgbClr val="FF0000"/>
+                  <a:schemeClr val="bg1"/>
                 </a:solidFill>
               </a:rPr>
               <a:t>)</a:t>
@@ -9270,7 +10280,7 @@
             <a:r>
               <a:rPr kumimoji="1" lang="ja-JP" altLang="en-US" b="1" dirty="0">
                 <a:solidFill>
-                  <a:srgbClr val="FF0000"/>
+                  <a:schemeClr val="bg1"/>
                 </a:solidFill>
               </a:rPr>
               <a:t>を大幅に改善するほどではない</a:t>
@@ -9339,7 +10349,7 @@
             <a:r>
               <a:rPr kumimoji="1" lang="en-US" altLang="ja-JP" sz="1600" b="1" dirty="0">
                 <a:solidFill>
-                  <a:srgbClr val="FFC000"/>
+                  <a:srgbClr val="FF0000"/>
                 </a:solidFill>
               </a:rPr>
               <a:t>※</a:t>
@@ -9347,14 +10357,14 @@
             <a:r>
               <a:rPr kumimoji="1" lang="ja-JP" altLang="en-US" sz="1600" b="1" dirty="0">
                 <a:solidFill>
-                  <a:srgbClr val="FFC000"/>
+                  <a:srgbClr val="FF0000"/>
                 </a:solidFill>
               </a:rPr>
               <a:t>仮定：</a:t>
             </a:r>
             <a:endParaRPr kumimoji="1" lang="en-US" altLang="ja-JP" sz="1600" b="1" dirty="0">
               <a:solidFill>
-                <a:srgbClr val="FFC000"/>
+                <a:srgbClr val="FF0000"/>
               </a:solidFill>
             </a:endParaRPr>
           </a:p>
@@ -9362,7 +10372,7 @@
             <a:r>
               <a:rPr kumimoji="1" lang="en-US" altLang="ja-JP" sz="1600" b="1" dirty="0">
                 <a:solidFill>
-                  <a:srgbClr val="FFC000"/>
+                  <a:srgbClr val="FF0000"/>
                 </a:solidFill>
               </a:rPr>
               <a:t>Air</a:t>
@@ -9370,14 +10380,14 @@
             <a:r>
               <a:rPr kumimoji="1" lang="ja-JP" altLang="en-US" sz="1600" b="1" dirty="0">
                 <a:solidFill>
-                  <a:srgbClr val="FFC000"/>
+                  <a:srgbClr val="FF0000"/>
                 </a:solidFill>
               </a:rPr>
-              <a:t>ポスレジ開発会社内のエンジニアとして、</a:t>
+              <a:t>レジ開発会社内のエンジニアとして、</a:t>
             </a:r>
             <a:endParaRPr kumimoji="1" lang="en-US" altLang="ja-JP" sz="1600" b="1" dirty="0">
               <a:solidFill>
-                <a:srgbClr val="FFC000"/>
+                <a:srgbClr val="FF0000"/>
               </a:solidFill>
             </a:endParaRPr>
           </a:p>
@@ -9385,7 +10395,7 @@
             <a:r>
               <a:rPr kumimoji="1" lang="ja-JP" altLang="en-US" sz="1600" b="1" dirty="0">
                 <a:solidFill>
-                  <a:srgbClr val="FFC000"/>
+                  <a:srgbClr val="FF0000"/>
                 </a:solidFill>
               </a:rPr>
               <a:t>上長向けの提案</a:t>
@@ -9408,7 +10418,7 @@
           <p:nvPr>
             <p:extLst>
               <p:ext uri="{D42A27DB-BD31-4B8C-83A1-F6EECF244321}">
-                <p14:modId xmlns:p14="http://schemas.microsoft.com/office/powerpoint/2010/main" val="2683887540"/>
+                <p14:modId xmlns:p14="http://schemas.microsoft.com/office/powerpoint/2010/main" val="2384949901"/>
               </p:ext>
             </p:extLst>
           </p:nvPr>
@@ -9446,7 +10456,11 @@
                     <a:lstStyle/>
                     <a:p>
                       <a:r>
-                        <a:rPr kumimoji="1" lang="ja-JP" altLang="en-US" b="0" dirty="0"/>
+                        <a:rPr kumimoji="1" lang="ja-JP" altLang="en-US" b="0" dirty="0">
+                          <a:solidFill>
+                            <a:schemeClr val="bg1"/>
+                          </a:solidFill>
+                        </a:rPr>
                         <a:t>課題</a:t>
                       </a:r>
                     </a:p>
@@ -9459,11 +10473,19 @@
                     <a:lstStyle/>
                     <a:p>
                       <a:r>
-                        <a:rPr kumimoji="1" lang="en-US" altLang="ja-JP" b="0" dirty="0"/>
+                        <a:rPr kumimoji="1" lang="en-US" altLang="ja-JP" b="0" dirty="0">
+                          <a:solidFill>
+                            <a:schemeClr val="bg1"/>
+                          </a:solidFill>
+                        </a:rPr>
                         <a:t>Air</a:t>
                       </a:r>
                       <a:r>
-                        <a:rPr kumimoji="1" lang="ja-JP" altLang="en-US" b="0" dirty="0"/>
+                        <a:rPr kumimoji="1" lang="ja-JP" altLang="en-US" b="0" dirty="0">
+                          <a:solidFill>
+                            <a:schemeClr val="bg1"/>
+                          </a:solidFill>
+                        </a:rPr>
                         <a:t>レジの機能拡張による、顧客満足度・販路拡大</a:t>
                       </a:r>
                     </a:p>
@@ -9483,7 +10505,11 @@
                     <a:lstStyle/>
                     <a:p>
                       <a:r>
-                        <a:rPr kumimoji="1" lang="ja-JP" altLang="en-US" dirty="0"/>
+                        <a:rPr kumimoji="1" lang="ja-JP" altLang="en-US" dirty="0">
+                          <a:solidFill>
+                            <a:schemeClr val="bg1"/>
+                          </a:solidFill>
+                        </a:rPr>
                         <a:t>分析目的</a:t>
                       </a:r>
                     </a:p>
@@ -9496,49 +10522,65 @@
                     <a:lstStyle/>
                     <a:p>
                       <a:r>
-                        <a:rPr kumimoji="1" lang="en-US" altLang="ja-JP" dirty="0"/>
+                        <a:rPr kumimoji="1" lang="en-US" altLang="ja-JP" dirty="0">
+                          <a:solidFill>
+                            <a:schemeClr val="bg1"/>
+                          </a:solidFill>
+                        </a:rPr>
                         <a:t>Air</a:t>
                       </a:r>
                       <a:r>
-                        <a:rPr kumimoji="1" lang="ja-JP" altLang="en-US" dirty="0"/>
+                        <a:rPr kumimoji="1" lang="ja-JP" altLang="en-US" dirty="0">
+                          <a:solidFill>
+                            <a:schemeClr val="bg1"/>
+                          </a:solidFill>
+                        </a:rPr>
                         <a:t>レジの追加機能として、</a:t>
                       </a:r>
-                      <a:endParaRPr kumimoji="1" lang="en-US" altLang="ja-JP" dirty="0"/>
-                    </a:p>
-                    <a:p>
-                      <a:r>
-                        <a:rPr kumimoji="1" lang="ja-JP" altLang="en-US" dirty="0"/>
-                        <a:t>需要予測機能の有用性と天気情報の有効性の検証</a:t>
-                      </a:r>
-                    </a:p>
-                    <a:p>
-                      <a:r>
-                        <a:rPr kumimoji="1" lang="en-US" altLang="ja-JP" sz="1400" b="1" dirty="0">
-                          <a:solidFill>
-                            <a:srgbClr val="FFC000"/>
-                          </a:solidFill>
-                        </a:rPr>
-                        <a:t>※</a:t>
-                      </a:r>
-                      <a:r>
-                        <a:rPr kumimoji="1" lang="ja-JP" altLang="en-US" sz="1400" b="1" dirty="0">
-                          <a:solidFill>
-                            <a:srgbClr val="FFC000"/>
-                          </a:solidFill>
-                        </a:rPr>
-                        <a:t>仮定：天気情報を使うことが前提条件のため</a:t>
-                      </a:r>
-                      <a:endParaRPr kumimoji="1" lang="en-US" altLang="ja-JP" sz="1400" b="1" dirty="0">
+                      <a:endParaRPr kumimoji="1" lang="en-US" altLang="ja-JP" dirty="0">
                         <a:solidFill>
-                          <a:srgbClr val="FFC000"/>
+                          <a:schemeClr val="bg1"/>
                         </a:solidFill>
                       </a:endParaRPr>
                     </a:p>
                     <a:p>
                       <a:r>
+                        <a:rPr kumimoji="1" lang="ja-JP" altLang="en-US" dirty="0">
+                          <a:solidFill>
+                            <a:schemeClr val="bg1"/>
+                          </a:solidFill>
+                        </a:rPr>
+                        <a:t>需要予測機能の有用性と天気情報の有効性の検証</a:t>
+                      </a:r>
+                    </a:p>
+                    <a:p>
+                      <a:r>
+                        <a:rPr kumimoji="1" lang="en-US" altLang="ja-JP" sz="1400" b="1" dirty="0">
+                          <a:solidFill>
+                            <a:srgbClr val="FF0000"/>
+                          </a:solidFill>
+                        </a:rPr>
+                        <a:t>※</a:t>
+                      </a:r>
+                      <a:r>
                         <a:rPr kumimoji="1" lang="ja-JP" altLang="en-US" sz="1400" b="1" dirty="0">
                           <a:solidFill>
-                            <a:srgbClr val="FFC000"/>
+                            <a:srgbClr val="FF0000"/>
+                          </a:solidFill>
+                        </a:rPr>
+                        <a:t>仮定：天気情報を使うことが前提条件のため</a:t>
+                      </a:r>
+                      <a:endParaRPr kumimoji="1" lang="en-US" altLang="ja-JP" sz="1400" b="1" dirty="0">
+                        <a:solidFill>
+                          <a:srgbClr val="FF0000"/>
+                        </a:solidFill>
+                      </a:endParaRPr>
+                    </a:p>
+                    <a:p>
+                      <a:r>
+                        <a:rPr kumimoji="1" lang="ja-JP" altLang="en-US" sz="1400" b="1" dirty="0">
+                          <a:solidFill>
+                            <a:srgbClr val="FF0000"/>
                           </a:solidFill>
                         </a:rPr>
                         <a:t>本来は、このステップの前に、探索的データ分析による仮説発掘フェーズがある</a:t>
@@ -9560,7 +10602,11 @@
                     <a:lstStyle/>
                     <a:p>
                       <a:r>
-                        <a:rPr kumimoji="1" lang="ja-JP" altLang="en-US" dirty="0"/>
+                        <a:rPr kumimoji="1" lang="ja-JP" altLang="en-US" dirty="0">
+                          <a:solidFill>
+                            <a:schemeClr val="bg1"/>
+                          </a:solidFill>
+                        </a:rPr>
                         <a:t>分析手法</a:t>
                       </a:r>
                     </a:p>
@@ -9573,10 +10619,18 @@
                     <a:lstStyle/>
                     <a:p>
                       <a:r>
-                        <a:rPr kumimoji="1" lang="en-US" altLang="ja-JP" dirty="0" err="1"/>
+                        <a:rPr kumimoji="1" lang="en-US" altLang="ja-JP" dirty="0" err="1">
+                          <a:solidFill>
+                            <a:schemeClr val="bg1"/>
+                          </a:solidFill>
+                        </a:rPr>
                         <a:t>XGBoost</a:t>
                       </a:r>
-                      <a:endParaRPr kumimoji="1" lang="ja-JP" altLang="en-US" dirty="0"/>
+                      <a:endParaRPr kumimoji="1" lang="ja-JP" altLang="en-US" dirty="0">
+                        <a:solidFill>
+                          <a:schemeClr val="bg1"/>
+                        </a:solidFill>
+                      </a:endParaRPr>
                     </a:p>
                   </a:txBody>
                   <a:tcPr/>
@@ -9594,7 +10648,11 @@
                     <a:lstStyle/>
                     <a:p>
                       <a:r>
-                        <a:rPr kumimoji="1" lang="ja-JP" altLang="en-US" dirty="0"/>
+                        <a:rPr kumimoji="1" lang="ja-JP" altLang="en-US" dirty="0">
+                          <a:solidFill>
+                            <a:schemeClr val="bg1"/>
+                          </a:solidFill>
+                        </a:rPr>
                         <a:t>データの種類</a:t>
                       </a:r>
                     </a:p>
@@ -9607,27 +10665,51 @@
                     <a:lstStyle/>
                     <a:p>
                       <a:r>
-                        <a:rPr kumimoji="1" lang="ja-JP" altLang="en-US" dirty="0"/>
+                        <a:rPr kumimoji="1" lang="ja-JP" altLang="en-US" dirty="0">
+                          <a:solidFill>
+                            <a:schemeClr val="bg1"/>
+                          </a:solidFill>
+                        </a:rPr>
                         <a:t>・</a:t>
                       </a:r>
                       <a:r>
-                        <a:rPr kumimoji="1" lang="en-US" altLang="ja-JP" dirty="0"/>
+                        <a:rPr kumimoji="1" lang="en-US" altLang="ja-JP" dirty="0">
+                          <a:solidFill>
+                            <a:schemeClr val="bg1"/>
+                          </a:solidFill>
+                        </a:rPr>
                         <a:t>air</a:t>
                       </a:r>
                       <a:r>
-                        <a:rPr kumimoji="1" lang="ja-JP" altLang="en-US" dirty="0"/>
+                        <a:rPr kumimoji="1" lang="ja-JP" altLang="en-US" dirty="0">
+                          <a:solidFill>
+                            <a:schemeClr val="bg1"/>
+                          </a:solidFill>
+                        </a:rPr>
                         <a:t>レジ日次実績</a:t>
                       </a:r>
                       <a:r>
-                        <a:rPr kumimoji="1" lang="en-US" altLang="ja-JP" dirty="0"/>
+                        <a:rPr kumimoji="1" lang="en-US" altLang="ja-JP" dirty="0">
+                          <a:solidFill>
+                            <a:schemeClr val="bg1"/>
+                          </a:solidFill>
+                        </a:rPr>
                         <a:t>(※</a:t>
                       </a:r>
                       <a:r>
-                        <a:rPr kumimoji="1" lang="ja-JP" altLang="en-US" dirty="0"/>
+                        <a:rPr kumimoji="1" lang="ja-JP" altLang="en-US" dirty="0">
+                          <a:solidFill>
+                            <a:schemeClr val="bg1"/>
+                          </a:solidFill>
+                        </a:rPr>
                         <a:t>範囲：東京都内のみ</a:t>
                       </a:r>
                       <a:r>
-                        <a:rPr kumimoji="1" lang="en-US" altLang="ja-JP" dirty="0"/>
+                        <a:rPr kumimoji="1" lang="en-US" altLang="ja-JP" dirty="0">
+                          <a:solidFill>
+                            <a:schemeClr val="bg1"/>
+                          </a:solidFill>
+                        </a:rPr>
                         <a:t>)</a:t>
                       </a:r>
                     </a:p>
@@ -9650,18 +10732,34 @@
                         <a:defRPr/>
                       </a:pPr>
                       <a:r>
-                        <a:rPr kumimoji="1" lang="ja-JP" altLang="en-US" dirty="0"/>
+                        <a:rPr kumimoji="1" lang="ja-JP" altLang="en-US" dirty="0">
+                          <a:solidFill>
+                            <a:schemeClr val="bg1"/>
+                          </a:solidFill>
+                        </a:rPr>
                         <a:t>・各種</a:t>
                       </a:r>
                       <a:r>
-                        <a:rPr kumimoji="1" lang="en-US" altLang="ja-JP" dirty="0"/>
+                        <a:rPr kumimoji="1" lang="en-US" altLang="ja-JP" dirty="0">
+                          <a:solidFill>
+                            <a:schemeClr val="bg1"/>
+                          </a:solidFill>
+                        </a:rPr>
                         <a:t>air</a:t>
                       </a:r>
                       <a:r>
-                        <a:rPr kumimoji="1" lang="ja-JP" altLang="en-US" dirty="0"/>
+                        <a:rPr kumimoji="1" lang="ja-JP" altLang="en-US" dirty="0">
+                          <a:solidFill>
+                            <a:schemeClr val="bg1"/>
+                          </a:solidFill>
+                        </a:rPr>
                         <a:t>レジ関連マスタデータ</a:t>
                       </a:r>
-                      <a:endParaRPr kumimoji="1" lang="en-US" altLang="ja-JP" dirty="0"/>
+                      <a:endParaRPr kumimoji="1" lang="en-US" altLang="ja-JP" dirty="0">
+                        <a:solidFill>
+                          <a:schemeClr val="bg1"/>
+                        </a:solidFill>
+                      </a:endParaRPr>
                     </a:p>
                     <a:p>
                       <a:pPr marL="0" marR="0" lvl="0" indent="0" algn="l" defTabSz="914400" rtl="0" eaLnBrk="1" fontAlgn="auto" latinLnBrk="0" hangingPunct="1">
@@ -9682,24 +10780,44 @@
                         <a:defRPr/>
                       </a:pPr>
                       <a:r>
-                        <a:rPr kumimoji="1" lang="ja-JP" altLang="en-US" dirty="0"/>
+                        <a:rPr kumimoji="1" lang="ja-JP" altLang="en-US" dirty="0">
+                          <a:solidFill>
+                            <a:schemeClr val="bg1"/>
+                          </a:solidFill>
+                        </a:rPr>
                         <a:t>・気候データ</a:t>
                       </a:r>
                       <a:r>
-                        <a:rPr kumimoji="1" lang="en-US" altLang="ja-JP" dirty="0"/>
+                        <a:rPr kumimoji="1" lang="en-US" altLang="ja-JP" dirty="0">
+                          <a:solidFill>
+                            <a:schemeClr val="bg1"/>
+                          </a:solidFill>
+                        </a:rPr>
                         <a:t>(※</a:t>
                       </a:r>
                       <a:r>
-                        <a:rPr kumimoji="1" lang="ja-JP" altLang="en-US" dirty="0"/>
+                        <a:rPr kumimoji="1" lang="ja-JP" altLang="en-US" dirty="0">
+                          <a:solidFill>
+                            <a:schemeClr val="bg1"/>
+                          </a:solidFill>
+                        </a:rPr>
                         <a:t>東京都内のみ</a:t>
                       </a:r>
                       <a:r>
-                        <a:rPr kumimoji="1" lang="en-US" altLang="ja-JP" dirty="0"/>
+                        <a:rPr kumimoji="1" lang="en-US" altLang="ja-JP" dirty="0">
+                          <a:solidFill>
+                            <a:schemeClr val="bg1"/>
+                          </a:solidFill>
+                        </a:rPr>
                         <a:t>)</a:t>
                       </a:r>
                     </a:p>
                     <a:p>
-                      <a:endParaRPr kumimoji="1" lang="ja-JP" altLang="en-US" dirty="0"/>
+                      <a:endParaRPr kumimoji="1" lang="ja-JP" altLang="en-US" dirty="0">
+                        <a:solidFill>
+                          <a:schemeClr val="bg1"/>
+                        </a:solidFill>
+                      </a:endParaRPr>
                     </a:p>
                   </a:txBody>
                   <a:tcPr/>
@@ -9717,7 +10835,11 @@
                     <a:lstStyle/>
                     <a:p>
                       <a:r>
-                        <a:rPr kumimoji="1" lang="ja-JP" altLang="en-US" dirty="0"/>
+                        <a:rPr kumimoji="1" lang="ja-JP" altLang="en-US" dirty="0">
+                          <a:solidFill>
+                            <a:schemeClr val="bg1"/>
+                          </a:solidFill>
+                        </a:rPr>
                         <a:t>データの期間</a:t>
                       </a:r>
                     </a:p>
@@ -9730,26 +10852,50 @@
                     <a:lstStyle/>
                     <a:p>
                       <a:r>
-                        <a:rPr kumimoji="1" lang="en-US" altLang="ja-JP" dirty="0"/>
+                        <a:rPr kumimoji="1" lang="en-US" altLang="ja-JP" dirty="0">
+                          <a:solidFill>
+                            <a:schemeClr val="bg1"/>
+                          </a:solidFill>
+                        </a:rPr>
                         <a:t>air</a:t>
                       </a:r>
                       <a:r>
-                        <a:rPr kumimoji="1" lang="ja-JP" altLang="en-US" dirty="0"/>
+                        <a:rPr kumimoji="1" lang="ja-JP" altLang="en-US" dirty="0">
+                          <a:solidFill>
+                            <a:schemeClr val="bg1"/>
+                          </a:solidFill>
+                        </a:rPr>
                         <a:t>ポス実績：</a:t>
                       </a:r>
                       <a:r>
-                        <a:rPr kumimoji="1" lang="en-US" altLang="ja-JP" dirty="0"/>
+                        <a:rPr kumimoji="1" lang="en-US" altLang="ja-JP" dirty="0">
+                          <a:solidFill>
+                            <a:schemeClr val="bg1"/>
+                          </a:solidFill>
+                        </a:rPr>
                         <a:t>2016/1/1</a:t>
                       </a:r>
                       <a:r>
-                        <a:rPr kumimoji="1" lang="ja-JP" altLang="en-US" dirty="0"/>
+                        <a:rPr kumimoji="1" lang="ja-JP" altLang="en-US" dirty="0">
+                          <a:solidFill>
+                            <a:schemeClr val="bg1"/>
+                          </a:solidFill>
+                        </a:rPr>
                         <a:t>～</a:t>
                       </a:r>
                       <a:r>
-                        <a:rPr kumimoji="1" lang="en-US" altLang="ja-JP" dirty="0"/>
+                        <a:rPr kumimoji="1" lang="en-US" altLang="ja-JP" dirty="0">
+                          <a:solidFill>
+                            <a:schemeClr val="bg1"/>
+                          </a:solidFill>
+                        </a:rPr>
                         <a:t>2017/4/21 </a:t>
                       </a:r>
-                      <a:endParaRPr kumimoji="1" lang="ja-JP" altLang="en-US" dirty="0"/>
+                      <a:endParaRPr kumimoji="1" lang="ja-JP" altLang="en-US" dirty="0">
+                        <a:solidFill>
+                          <a:schemeClr val="bg1"/>
+                        </a:solidFill>
+                      </a:endParaRPr>
                     </a:p>
                   </a:txBody>
                   <a:tcPr/>
@@ -9767,7 +10913,11 @@
                     <a:lstStyle/>
                     <a:p>
                       <a:r>
-                        <a:rPr kumimoji="1" lang="ja-JP" altLang="en-US" dirty="0"/>
+                        <a:rPr kumimoji="1" lang="ja-JP" altLang="en-US" dirty="0">
+                          <a:solidFill>
+                            <a:schemeClr val="bg1"/>
+                          </a:solidFill>
+                        </a:rPr>
                         <a:t>データ補足情報</a:t>
                       </a:r>
                     </a:p>
@@ -9780,21 +10930,41 @@
                     <a:lstStyle/>
                     <a:p>
                       <a:r>
-                        <a:rPr kumimoji="1" lang="ja-JP" altLang="en-US" dirty="0"/>
+                        <a:rPr kumimoji="1" lang="ja-JP" altLang="en-US" dirty="0">
+                          <a:solidFill>
+                            <a:schemeClr val="bg1"/>
+                          </a:solidFill>
+                        </a:rPr>
                         <a:t>■第三者データ</a:t>
                       </a:r>
-                      <a:endParaRPr kumimoji="1" lang="en-US" altLang="ja-JP" dirty="0"/>
+                      <a:endParaRPr kumimoji="1" lang="en-US" altLang="ja-JP" dirty="0">
+                        <a:solidFill>
+                          <a:schemeClr val="bg1"/>
+                        </a:solidFill>
+                      </a:endParaRPr>
                     </a:p>
                     <a:p>
                       <a:r>
-                        <a:rPr kumimoji="1" lang="ja-JP" altLang="en-US" dirty="0"/>
+                        <a:rPr kumimoji="1" lang="ja-JP" altLang="en-US" dirty="0">
+                          <a:solidFill>
+                            <a:schemeClr val="bg1"/>
+                          </a:solidFill>
+                        </a:rPr>
                         <a:t>・日本の気象観測所の気候データ</a:t>
                       </a:r>
                       <a:r>
-                        <a:rPr kumimoji="1" lang="en-US" altLang="ja-JP" dirty="0"/>
+                        <a:rPr kumimoji="1" lang="en-US" altLang="ja-JP" dirty="0">
+                          <a:solidFill>
+                            <a:schemeClr val="bg1"/>
+                          </a:solidFill>
+                        </a:rPr>
                         <a:t>(https://www.data.jma.go.jp/gmd/risk/obsdl/index.php#)</a:t>
                       </a:r>
-                      <a:endParaRPr kumimoji="1" lang="ja-JP" altLang="en-US" dirty="0"/>
+                      <a:endParaRPr kumimoji="1" lang="ja-JP" altLang="en-US" dirty="0">
+                        <a:solidFill>
+                          <a:schemeClr val="bg1"/>
+                        </a:solidFill>
+                      </a:endParaRPr>
                     </a:p>
                   </a:txBody>
                   <a:tcPr/>
@@ -9812,7 +10982,11 @@
                     <a:lstStyle/>
                     <a:p>
                       <a:r>
-                        <a:rPr kumimoji="1" lang="ja-JP" altLang="en-US" dirty="0"/>
+                        <a:rPr kumimoji="1" lang="ja-JP" altLang="en-US" dirty="0">
+                          <a:solidFill>
+                            <a:schemeClr val="bg1"/>
+                          </a:solidFill>
+                        </a:rPr>
                         <a:t>スケジュール</a:t>
                       </a:r>
                     </a:p>
@@ -9825,7 +10999,11 @@
                     <a:lstStyle/>
                     <a:p>
                       <a:r>
-                        <a:rPr kumimoji="1" lang="ja-JP" altLang="en-US" dirty="0"/>
+                        <a:rPr kumimoji="1" lang="ja-JP" altLang="en-US" dirty="0">
+                          <a:solidFill>
+                            <a:schemeClr val="bg1"/>
+                          </a:solidFill>
+                        </a:rPr>
                         <a:t>割愛</a:t>
                       </a:r>
                     </a:p>
@@ -9845,7 +11023,11 @@
                     <a:lstStyle/>
                     <a:p>
                       <a:r>
-                        <a:rPr kumimoji="1" lang="ja-JP" altLang="en-US" dirty="0"/>
+                        <a:rPr kumimoji="1" lang="ja-JP" altLang="en-US" dirty="0">
+                          <a:solidFill>
+                            <a:schemeClr val="bg1"/>
+                          </a:solidFill>
+                        </a:rPr>
                         <a:t>コスト</a:t>
                       </a:r>
                     </a:p>
@@ -9858,7 +11040,11 @@
                     <a:lstStyle/>
                     <a:p>
                       <a:r>
-                        <a:rPr kumimoji="1" lang="ja-JP" altLang="en-US" dirty="0"/>
+                        <a:rPr kumimoji="1" lang="ja-JP" altLang="en-US" dirty="0">
+                          <a:solidFill>
+                            <a:schemeClr val="bg1"/>
+                          </a:solidFill>
+                        </a:rPr>
                         <a:t>割愛</a:t>
                       </a:r>
                     </a:p>
@@ -9889,8 +11075,8 @@
         </p:nvSpPr>
         <p:spPr>
           <a:xfrm>
-            <a:off x="699899" y="6157981"/>
-            <a:ext cx="9718262" cy="608105"/>
+            <a:off x="699899" y="5962269"/>
+            <a:ext cx="9718262" cy="803817"/>
           </a:xfrm>
           <a:prstGeom prst="roundRect">
             <a:avLst/>
@@ -10095,7 +11281,7 @@
             <a:r>
               <a:rPr kumimoji="1" lang="en-US" altLang="ja-JP" dirty="0">
                 <a:solidFill>
-                  <a:srgbClr val="FFC000"/>
+                  <a:srgbClr val="FF0000"/>
                 </a:solidFill>
               </a:rPr>
               <a:t>※</a:t>
@@ -10103,14 +11289,14 @@
             <a:r>
               <a:rPr kumimoji="1" lang="ja-JP" altLang="en-US" dirty="0">
                 <a:solidFill>
-                  <a:srgbClr val="FFC000"/>
+                  <a:srgbClr val="FF0000"/>
                 </a:solidFill>
               </a:rPr>
               <a:t>需要予測に重要な要素を発見し、高精度のモデルを作成できたと仮定する</a:t>
             </a:r>
             <a:endParaRPr kumimoji="1" lang="en-US" altLang="ja-JP" dirty="0">
               <a:solidFill>
-                <a:srgbClr val="FFC000"/>
+                <a:srgbClr val="FF0000"/>
               </a:solidFill>
             </a:endParaRPr>
           </a:p>
@@ -11474,14 +12660,14 @@
             <a:r>
               <a:rPr kumimoji="1" lang="ja-JP" altLang="en-US" sz="1600" b="1" dirty="0">
                 <a:solidFill>
-                  <a:srgbClr val="FFC000"/>
+                  <a:srgbClr val="FF0000"/>
                 </a:solidFill>
               </a:rPr>
               <a:t>調査の結果、</a:t>
             </a:r>
             <a:endParaRPr kumimoji="1" lang="en-US" altLang="ja-JP" sz="1600" b="1" dirty="0">
               <a:solidFill>
-                <a:srgbClr val="FFC000"/>
+                <a:srgbClr val="FF0000"/>
               </a:solidFill>
             </a:endParaRPr>
           </a:p>
@@ -11490,7 +12676,7 @@
             <a:r>
               <a:rPr kumimoji="1" lang="ja-JP" altLang="en-US" sz="1600" b="1" dirty="0">
                 <a:solidFill>
-                  <a:srgbClr val="FFC000"/>
+                  <a:srgbClr val="FF0000"/>
                 </a:solidFill>
               </a:rPr>
               <a:t>「需要予測」による人件費最低化により、平均</a:t>
@@ -11498,7 +12684,7 @@
             <a:r>
               <a:rPr kumimoji="1" lang="en-US" altLang="ja-JP" sz="1600" b="1" dirty="0">
                 <a:solidFill>
-                  <a:srgbClr val="FFC000"/>
+                  <a:srgbClr val="FF0000"/>
                 </a:solidFill>
               </a:rPr>
               <a:t>x%</a:t>
@@ -11506,7 +12692,7 @@
             <a:r>
               <a:rPr kumimoji="1" lang="ja-JP" altLang="en-US" sz="1600" b="1" dirty="0">
                 <a:solidFill>
-                  <a:srgbClr val="FFC000"/>
+                  <a:srgbClr val="FF0000"/>
                 </a:solidFill>
               </a:rPr>
               <a:t>のコスト削減が見込めると仮定する</a:t>
@@ -12433,89 +13619,16 @@
             </a:r>
             <a:r>
               <a:rPr lang="ja-JP" altLang="en-US" sz="2400" dirty="0"/>
-              <a:t>：店舗支援サービスについて～</a:t>
-            </a:r>
-          </a:p>
-        </p:txBody>
-      </p:sp>
-      <p:sp>
-        <p:nvSpPr>
-          <p:cNvPr id="4" name="四角形: 角を丸くする 3">
-            <a:extLst>
-              <a:ext uri="{FF2B5EF4-FFF2-40B4-BE49-F238E27FC236}">
-                <a16:creationId xmlns:a16="http://schemas.microsoft.com/office/drawing/2014/main" id="{D40FD9AC-9262-A6A4-E779-C99E52569B04}"/>
-              </a:ext>
-            </a:extLst>
-          </p:cNvPr>
-          <p:cNvSpPr/>
-          <p:nvPr/>
-        </p:nvSpPr>
-        <p:spPr>
-          <a:xfrm>
-            <a:off x="1236869" y="5431722"/>
-            <a:ext cx="9718262" cy="953710"/>
-          </a:xfrm>
-          <a:prstGeom prst="roundRect">
-            <a:avLst/>
-          </a:prstGeom>
-          <a:ln w="38100">
-            <a:solidFill>
-              <a:srgbClr val="FF0000"/>
-            </a:solidFill>
-          </a:ln>
-        </p:spPr>
-        <p:style>
-          <a:lnRef idx="2">
-            <a:schemeClr val="accent1"/>
-          </a:lnRef>
-          <a:fillRef idx="1">
-            <a:schemeClr val="lt1"/>
-          </a:fillRef>
-          <a:effectRef idx="0">
-            <a:schemeClr val="accent1"/>
-          </a:effectRef>
-          <a:fontRef idx="minor">
-            <a:schemeClr val="dk1"/>
-          </a:fontRef>
-        </p:style>
-        <p:txBody>
-          <a:bodyPr rtlCol="0" anchor="ctr"/>
-          <a:lstStyle/>
-          <a:p>
-            <a:pPr algn="ctr"/>
-            <a:r>
-              <a:rPr kumimoji="1" lang="en-US" altLang="ja-JP" b="1" dirty="0"/>
-              <a:t>&lt;</a:t>
-            </a:r>
-            <a:r>
-              <a:rPr kumimoji="1" lang="ja-JP" altLang="en-US" b="1" dirty="0"/>
-              <a:t>結果</a:t>
-            </a:r>
-            <a:r>
-              <a:rPr kumimoji="1" lang="en-US" altLang="ja-JP" b="1" dirty="0"/>
-              <a:t>&gt;</a:t>
-            </a:r>
-            <a:r>
-              <a:rPr kumimoji="1" lang="ja-JP" altLang="en-US" b="1" dirty="0"/>
-              <a:t>導入元</a:t>
-            </a:r>
-            <a:r>
-              <a:rPr kumimoji="1" lang="en-US" altLang="ja-JP" b="1" dirty="0"/>
-              <a:t>/</a:t>
-            </a:r>
-            <a:r>
-              <a:rPr kumimoji="1" lang="ja-JP" altLang="en-US" b="1" dirty="0"/>
-              <a:t>先双方に利益が見込めるため、「需要予測機能」の導入と、</a:t>
-            </a:r>
-            <a:endParaRPr kumimoji="1" lang="en-US" altLang="ja-JP" b="1" dirty="0"/>
-          </a:p>
-          <a:p>
-            <a:pPr algn="ctr"/>
-            <a:r>
-              <a:rPr kumimoji="1" lang="ja-JP" altLang="en-US" b="1" dirty="0"/>
-              <a:t>エンハンスとしての「気候要素反映」効果を検討しました</a:t>
-            </a:r>
-            <a:endParaRPr kumimoji="1" lang="ja-JP" altLang="en-US" dirty="0"/>
+              <a:t>：</a:t>
+            </a:r>
+            <a:r>
+              <a:rPr lang="en-US" altLang="ja-JP" sz="2400" dirty="0"/>
+              <a:t>pos</a:t>
+            </a:r>
+            <a:r>
+              <a:rPr lang="ja-JP" altLang="en-US" sz="2400" dirty="0"/>
+              <a:t>レジサービスについて～</a:t>
+            </a:r>
           </a:p>
         </p:txBody>
       </p:sp>
@@ -12683,62 +13796,1660 @@
       </p:grpSpPr>
       <p:sp>
         <p:nvSpPr>
-          <p:cNvPr id="2" name="タイトル 1">
+          <p:cNvPr id="3" name="タイトル 1">
             <a:extLst>
               <a:ext uri="{FF2B5EF4-FFF2-40B4-BE49-F238E27FC236}">
-                <a16:creationId xmlns:a16="http://schemas.microsoft.com/office/drawing/2014/main" id="{EFCD6918-6C03-D4DF-D91E-8ED8090CFAAD}"/>
+                <a16:creationId xmlns:a16="http://schemas.microsoft.com/office/drawing/2014/main" id="{6A2D528A-F0E5-4B9E-A36A-93138CA68533}"/>
               </a:ext>
             </a:extLst>
           </p:cNvPr>
-          <p:cNvSpPr>
-            <a:spLocks noGrp="1"/>
+          <p:cNvSpPr txBox="1">
+            <a:spLocks/>
           </p:cNvSpPr>
-          <p:nvPr>
-            <p:ph type="title"/>
-          </p:nvPr>
-        </p:nvSpPr>
-        <p:spPr/>
+          <p:nvPr/>
+        </p:nvSpPr>
+        <p:spPr>
+          <a:xfrm>
+            <a:off x="362175" y="214885"/>
+            <a:ext cx="11282978" cy="1040173"/>
+          </a:xfrm>
+          <a:prstGeom prst="rect">
+            <a:avLst/>
+          </a:prstGeom>
+        </p:spPr>
         <p:txBody>
           <a:bodyPr/>
-          <a:lstStyle/>
+          <a:lstStyle>
+            <a:lvl1pPr algn="l" defTabSz="914400" rtl="0" eaLnBrk="1" latinLnBrk="0" hangingPunct="1">
+              <a:lnSpc>
+                <a:spcPct val="85000"/>
+              </a:lnSpc>
+              <a:spcBef>
+                <a:spcPct val="0"/>
+              </a:spcBef>
+              <a:buNone/>
+              <a:defRPr kumimoji="1" sz="4800" kern="1200" spc="-50" baseline="0">
+                <a:solidFill>
+                  <a:schemeClr val="tx1">
+                    <a:lumMod val="75000"/>
+                    <a:lumOff val="25000"/>
+                  </a:schemeClr>
+                </a:solidFill>
+                <a:latin typeface="+mj-lt"/>
+                <a:ea typeface="+mj-ea"/>
+                <a:cs typeface="+mj-cs"/>
+              </a:defRPr>
+            </a:lvl1pPr>
+          </a:lstStyle>
           <a:p>
             <a:r>
               <a:rPr lang="ja-JP" altLang="en-US" dirty="0"/>
-              <a:t>分析企画・結果</a:t>
-            </a:r>
-            <a:endParaRPr kumimoji="1" lang="ja-JP" altLang="en-US" dirty="0"/>
-          </a:p>
-        </p:txBody>
-      </p:sp>
-      <p:sp>
-        <p:nvSpPr>
-          <p:cNvPr id="3" name="テキスト プレースホルダー 2">
+              <a:t>現状と検討方針総括</a:t>
+            </a:r>
+            <a:endParaRPr lang="en-US" altLang="ja-JP" dirty="0"/>
+          </a:p>
+        </p:txBody>
+      </p:sp>
+      <p:graphicFrame>
+        <p:nvGraphicFramePr>
+          <p:cNvPr id="6" name="表 7">
             <a:extLst>
               <a:ext uri="{FF2B5EF4-FFF2-40B4-BE49-F238E27FC236}">
-                <a16:creationId xmlns:a16="http://schemas.microsoft.com/office/drawing/2014/main" id="{4BD7DB5A-CD70-122A-304B-8A6DB2FFA98D}"/>
+                <a16:creationId xmlns:a16="http://schemas.microsoft.com/office/drawing/2014/main" id="{6ABE242E-2726-40E1-15FC-3F59F15A570C}"/>
               </a:ext>
             </a:extLst>
           </p:cNvPr>
-          <p:cNvSpPr>
-            <a:spLocks noGrp="1"/>
-          </p:cNvSpPr>
+          <p:cNvGraphicFramePr>
+            <a:graphicFrameLocks noGrp="1"/>
+          </p:cNvGraphicFramePr>
           <p:nvPr>
-            <p:ph type="body" idx="1"/>
+            <p:extLst>
+              <p:ext uri="{D42A27DB-BD31-4B8C-83A1-F6EECF244321}">
+                <p14:modId xmlns:p14="http://schemas.microsoft.com/office/powerpoint/2010/main" val="2513076025"/>
+              </p:ext>
+            </p:extLst>
           </p:nvPr>
-        </p:nvSpPr>
-        <p:spPr/>
-        <p:txBody>
-          <a:bodyPr/>
+        </p:nvGraphicFramePr>
+        <p:xfrm>
+          <a:off x="111489" y="749464"/>
+          <a:ext cx="9992766" cy="5359071"/>
+        </p:xfrm>
+        <a:graphic>
+          <a:graphicData uri="http://schemas.openxmlformats.org/drawingml/2006/table">
+            <a:tbl>
+              <a:tblPr firstRow="1" bandRow="1">
+                <a:tableStyleId>{638B1855-1B75-4FBE-930C-398BA8C253C6}</a:tableStyleId>
+              </a:tblPr>
+              <a:tblGrid>
+                <a:gridCol w="1508530">
+                  <a:extLst>
+                    <a:ext uri="{9D8B030D-6E8A-4147-A177-3AD203B41FA5}">
+                      <a16:colId xmlns:a16="http://schemas.microsoft.com/office/drawing/2014/main" val="143840013"/>
+                    </a:ext>
+                  </a:extLst>
+                </a:gridCol>
+                <a:gridCol w="3455299">
+                  <a:extLst>
+                    <a:ext uri="{9D8B030D-6E8A-4147-A177-3AD203B41FA5}">
+                      <a16:colId xmlns:a16="http://schemas.microsoft.com/office/drawing/2014/main" val="2068966890"/>
+                    </a:ext>
+                  </a:extLst>
+                </a:gridCol>
+                <a:gridCol w="5028937">
+                  <a:extLst>
+                    <a:ext uri="{9D8B030D-6E8A-4147-A177-3AD203B41FA5}">
+                      <a16:colId xmlns:a16="http://schemas.microsoft.com/office/drawing/2014/main" val="2341566530"/>
+                    </a:ext>
+                  </a:extLst>
+                </a:gridCol>
+              </a:tblGrid>
+              <a:tr h="421311">
+                <a:tc>
+                  <a:txBody>
+                    <a:bodyPr/>
+                    <a:lstStyle/>
+                    <a:p>
+                      <a:endParaRPr kumimoji="1" lang="ja-JP" altLang="en-US" sz="1600" dirty="0">
+                        <a:solidFill>
+                          <a:schemeClr val="bg1"/>
+                        </a:solidFill>
+                        <a:latin typeface="メイリオ 本文"/>
+                      </a:endParaRPr>
+                    </a:p>
+                  </a:txBody>
+                  <a:tcPr/>
+                </a:tc>
+                <a:tc>
+                  <a:txBody>
+                    <a:bodyPr/>
+                    <a:lstStyle/>
+                    <a:p>
+                      <a:r>
+                        <a:rPr kumimoji="1" lang="ja-JP" altLang="en-US" sz="1600" dirty="0">
+                          <a:solidFill>
+                            <a:schemeClr val="bg1"/>
+                          </a:solidFill>
+                          <a:latin typeface="メイリオ 本文"/>
+                        </a:rPr>
+                        <a:t>導入先</a:t>
+                      </a:r>
+                      <a:r>
+                        <a:rPr kumimoji="1" lang="en-US" altLang="ja-JP" sz="1600" dirty="0">
+                          <a:solidFill>
+                            <a:schemeClr val="bg1"/>
+                          </a:solidFill>
+                          <a:latin typeface="メイリオ 本文"/>
+                        </a:rPr>
+                        <a:t>(</a:t>
+                      </a:r>
+                      <a:r>
+                        <a:rPr kumimoji="1" lang="ja-JP" altLang="en-US" sz="1600" dirty="0">
+                          <a:solidFill>
+                            <a:schemeClr val="bg1"/>
+                          </a:solidFill>
+                          <a:latin typeface="メイリオ 本文"/>
+                        </a:rPr>
+                        <a:t>飲食店</a:t>
+                      </a:r>
+                      <a:r>
+                        <a:rPr kumimoji="1" lang="en-US" altLang="ja-JP" sz="1600" dirty="0">
+                          <a:solidFill>
+                            <a:schemeClr val="bg1"/>
+                          </a:solidFill>
+                          <a:latin typeface="メイリオ 本文"/>
+                        </a:rPr>
+                        <a:t>)</a:t>
+                      </a:r>
+                      <a:endParaRPr kumimoji="1" lang="ja-JP" altLang="en-US" sz="1600" dirty="0">
+                        <a:solidFill>
+                          <a:schemeClr val="bg1"/>
+                        </a:solidFill>
+                        <a:latin typeface="メイリオ 本文"/>
+                      </a:endParaRPr>
+                    </a:p>
+                  </a:txBody>
+                  <a:tcPr/>
+                </a:tc>
+                <a:tc>
+                  <a:txBody>
+                    <a:bodyPr/>
+                    <a:lstStyle/>
+                    <a:p>
+                      <a:r>
+                        <a:rPr kumimoji="1" lang="ja-JP" altLang="en-US" sz="1600" dirty="0">
+                          <a:solidFill>
+                            <a:schemeClr val="bg1"/>
+                          </a:solidFill>
+                          <a:latin typeface="メイリオ 本文"/>
+                        </a:rPr>
+                        <a:t>導入元</a:t>
+                      </a:r>
+                      <a:r>
+                        <a:rPr kumimoji="1" lang="en-US" altLang="ja-JP" sz="1600" dirty="0">
+                          <a:solidFill>
+                            <a:schemeClr val="bg1"/>
+                          </a:solidFill>
+                          <a:latin typeface="メイリオ 本文"/>
+                        </a:rPr>
+                        <a:t>(</a:t>
+                      </a:r>
+                      <a:r>
+                        <a:rPr kumimoji="1" lang="ja-JP" altLang="en-US" sz="1600" dirty="0">
+                          <a:solidFill>
+                            <a:schemeClr val="bg1"/>
+                          </a:solidFill>
+                          <a:latin typeface="メイリオ 本文"/>
+                        </a:rPr>
+                        <a:t>我々</a:t>
+                      </a:r>
+                      <a:r>
+                        <a:rPr kumimoji="1" lang="en-US" altLang="ja-JP" sz="1600" dirty="0">
+                          <a:solidFill>
+                            <a:schemeClr val="bg1"/>
+                          </a:solidFill>
+                          <a:latin typeface="メイリオ 本文"/>
+                        </a:rPr>
+                        <a:t>:Air</a:t>
+                      </a:r>
+                      <a:r>
+                        <a:rPr kumimoji="1" lang="ja-JP" altLang="en-US" sz="1600" dirty="0">
+                          <a:solidFill>
+                            <a:schemeClr val="bg1"/>
+                          </a:solidFill>
+                          <a:latin typeface="メイリオ 本文"/>
+                        </a:rPr>
+                        <a:t>レジ</a:t>
+                      </a:r>
+                      <a:r>
+                        <a:rPr kumimoji="1" lang="en-US" altLang="ja-JP" sz="1600" dirty="0">
+                          <a:solidFill>
+                            <a:schemeClr val="bg1"/>
+                          </a:solidFill>
+                          <a:latin typeface="メイリオ 本文"/>
+                        </a:rPr>
+                        <a:t>)</a:t>
+                      </a:r>
+                      <a:endParaRPr kumimoji="1" lang="ja-JP" altLang="en-US" sz="1600" dirty="0">
+                        <a:solidFill>
+                          <a:schemeClr val="bg1"/>
+                        </a:solidFill>
+                        <a:latin typeface="メイリオ 本文"/>
+                      </a:endParaRPr>
+                    </a:p>
+                  </a:txBody>
+                  <a:tcPr/>
+                </a:tc>
+                <a:extLst>
+                  <a:ext uri="{0D108BD9-81ED-4DB2-BD59-A6C34878D82A}">
+                    <a16:rowId xmlns:a16="http://schemas.microsoft.com/office/drawing/2014/main" val="2869289161"/>
+                  </a:ext>
+                </a:extLst>
+              </a:tr>
+              <a:tr h="770467">
+                <a:tc>
+                  <a:txBody>
+                    <a:bodyPr/>
+                    <a:lstStyle/>
+                    <a:p>
+                      <a:r>
+                        <a:rPr kumimoji="1" lang="ja-JP" altLang="en-US" sz="1600" b="1" dirty="0">
+                          <a:solidFill>
+                            <a:schemeClr val="bg1"/>
+                          </a:solidFill>
+                          <a:latin typeface="メイリオ 本文"/>
+                        </a:rPr>
+                        <a:t>セグメンテーション</a:t>
+                      </a:r>
+                    </a:p>
+                  </a:txBody>
+                  <a:tcPr/>
+                </a:tc>
+                <a:tc>
+                  <a:txBody>
+                    <a:bodyPr/>
+                    <a:lstStyle/>
+                    <a:p>
+                      <a:r>
+                        <a:rPr kumimoji="1" lang="ja-JP" altLang="en-US" sz="1600" dirty="0">
+                          <a:solidFill>
+                            <a:schemeClr val="bg1"/>
+                          </a:solidFill>
+                          <a:latin typeface="メイリオ 本文"/>
+                        </a:rPr>
+                        <a:t>■現状</a:t>
+                      </a:r>
+                      <a:endParaRPr kumimoji="1" lang="en-US" altLang="ja-JP" sz="1600" dirty="0">
+                        <a:solidFill>
+                          <a:schemeClr val="bg1"/>
+                        </a:solidFill>
+                        <a:latin typeface="メイリオ 本文"/>
+                      </a:endParaRPr>
+                    </a:p>
+                    <a:p>
+                      <a:r>
+                        <a:rPr kumimoji="1" lang="ja-JP" altLang="en-US" sz="1400" dirty="0">
+                          <a:solidFill>
+                            <a:schemeClr val="bg1"/>
+                          </a:solidFill>
+                          <a:latin typeface="メイリオ 本文"/>
+                        </a:rPr>
+                        <a:t> </a:t>
+                      </a:r>
+                      <a:r>
+                        <a:rPr kumimoji="1" lang="en-US" altLang="ja-JP" sz="1400" dirty="0">
+                          <a:solidFill>
+                            <a:schemeClr val="bg1"/>
+                          </a:solidFill>
+                          <a:latin typeface="メイリオ 本文"/>
+                        </a:rPr>
+                        <a:t>※</a:t>
+                      </a:r>
+                      <a:r>
+                        <a:rPr kumimoji="1" lang="ja-JP" altLang="en-US" sz="1400" dirty="0">
+                          <a:solidFill>
+                            <a:schemeClr val="bg1"/>
+                          </a:solidFill>
+                          <a:latin typeface="メイリオ 本文"/>
+                        </a:rPr>
+                        <a:t>仮定：</a:t>
+                      </a:r>
+                      <a:endParaRPr kumimoji="1" lang="en-US" altLang="ja-JP" sz="1400" dirty="0">
+                        <a:solidFill>
+                          <a:schemeClr val="bg1"/>
+                        </a:solidFill>
+                        <a:latin typeface="メイリオ 本文"/>
+                      </a:endParaRPr>
+                    </a:p>
+                    <a:p>
+                      <a:r>
+                        <a:rPr kumimoji="1" lang="en-US" altLang="ja-JP" sz="1400" dirty="0">
+                          <a:solidFill>
+                            <a:schemeClr val="bg1"/>
+                          </a:solidFill>
+                          <a:latin typeface="メイリオ 本文"/>
+                        </a:rPr>
+                        <a:t> 1.</a:t>
+                      </a:r>
+                      <a:r>
+                        <a:rPr kumimoji="1" lang="ja-JP" altLang="en-US" sz="1400" dirty="0">
+                          <a:solidFill>
+                            <a:schemeClr val="bg1"/>
+                          </a:solidFill>
+                          <a:latin typeface="メイリオ 本文"/>
+                        </a:rPr>
+                        <a:t>非労働世代</a:t>
+                      </a:r>
+                      <a:r>
+                        <a:rPr kumimoji="1" lang="en-US" altLang="ja-JP" sz="1400" dirty="0">
+                          <a:solidFill>
+                            <a:schemeClr val="bg1"/>
+                          </a:solidFill>
+                          <a:latin typeface="メイリオ 本文"/>
+                        </a:rPr>
+                        <a:t>(0</a:t>
+                      </a:r>
+                      <a:r>
+                        <a:rPr kumimoji="1" lang="ja-JP" altLang="en-US" sz="1400" dirty="0">
+                          <a:solidFill>
+                            <a:schemeClr val="bg1"/>
+                          </a:solidFill>
+                          <a:latin typeface="メイリオ 本文"/>
+                        </a:rPr>
+                        <a:t>～</a:t>
+                      </a:r>
+                      <a:r>
+                        <a:rPr kumimoji="1" lang="en-US" altLang="ja-JP" sz="1400" dirty="0">
+                          <a:solidFill>
+                            <a:schemeClr val="bg1"/>
+                          </a:solidFill>
+                          <a:latin typeface="メイリオ 本文"/>
+                        </a:rPr>
+                        <a:t>15</a:t>
+                      </a:r>
+                      <a:r>
+                        <a:rPr kumimoji="1" lang="ja-JP" altLang="en-US" sz="1400" dirty="0">
+                          <a:solidFill>
+                            <a:schemeClr val="bg1"/>
+                          </a:solidFill>
+                          <a:latin typeface="メイリオ 本文"/>
+                        </a:rPr>
+                        <a:t>歳</a:t>
+                      </a:r>
+                      <a:r>
+                        <a:rPr kumimoji="1" lang="en-US" altLang="ja-JP" sz="1400" dirty="0">
+                          <a:solidFill>
+                            <a:schemeClr val="bg1"/>
+                          </a:solidFill>
+                          <a:latin typeface="メイリオ 本文"/>
+                        </a:rPr>
+                        <a:t>)</a:t>
+                      </a:r>
+                    </a:p>
+                    <a:p>
+                      <a:pPr marL="0" marR="0" lvl="0" indent="0" algn="l" defTabSz="457200" rtl="0" eaLnBrk="1" fontAlgn="auto" latinLnBrk="0" hangingPunct="1">
+                        <a:lnSpc>
+                          <a:spcPct val="100000"/>
+                        </a:lnSpc>
+                        <a:spcBef>
+                          <a:spcPts val="0"/>
+                        </a:spcBef>
+                        <a:spcAft>
+                          <a:spcPts val="0"/>
+                        </a:spcAft>
+                        <a:buClrTx/>
+                        <a:buSzTx/>
+                        <a:buFontTx/>
+                        <a:buNone/>
+                        <a:tabLst/>
+                        <a:defRPr/>
+                      </a:pPr>
+                      <a:r>
+                        <a:rPr kumimoji="1" lang="en-US" altLang="ja-JP" sz="1400" dirty="0">
+                          <a:solidFill>
+                            <a:schemeClr val="bg1"/>
+                          </a:solidFill>
+                          <a:latin typeface="メイリオ 本文"/>
+                        </a:rPr>
+                        <a:t> 2.</a:t>
+                      </a:r>
+                      <a:r>
+                        <a:rPr kumimoji="1" lang="ja-JP" altLang="en-US" sz="1400" dirty="0">
+                          <a:solidFill>
+                            <a:schemeClr val="bg1"/>
+                          </a:solidFill>
+                          <a:latin typeface="メイリオ 本文"/>
+                        </a:rPr>
+                        <a:t>労働世代</a:t>
+                      </a:r>
+                      <a:r>
+                        <a:rPr kumimoji="1" lang="en-US" altLang="ja-JP" sz="1400" dirty="0">
+                          <a:solidFill>
+                            <a:schemeClr val="bg1"/>
+                          </a:solidFill>
+                          <a:latin typeface="メイリオ 本文"/>
+                        </a:rPr>
+                        <a:t>(16</a:t>
+                      </a:r>
+                      <a:r>
+                        <a:rPr kumimoji="1" lang="ja-JP" altLang="en-US" sz="1400" dirty="0">
+                          <a:solidFill>
+                            <a:schemeClr val="bg1"/>
+                          </a:solidFill>
+                          <a:latin typeface="メイリオ 本文"/>
+                        </a:rPr>
+                        <a:t>～</a:t>
+                      </a:r>
+                      <a:r>
+                        <a:rPr kumimoji="1" lang="en-US" altLang="ja-JP" sz="1400" dirty="0">
+                          <a:solidFill>
+                            <a:schemeClr val="bg1"/>
+                          </a:solidFill>
+                          <a:latin typeface="メイリオ 本文"/>
+                        </a:rPr>
+                        <a:t>60</a:t>
+                      </a:r>
+                      <a:r>
+                        <a:rPr kumimoji="1" lang="ja-JP" altLang="en-US" sz="1400" dirty="0">
+                          <a:solidFill>
+                            <a:schemeClr val="bg1"/>
+                          </a:solidFill>
+                          <a:latin typeface="メイリオ 本文"/>
+                        </a:rPr>
+                        <a:t>代男女</a:t>
+                      </a:r>
+                      <a:r>
+                        <a:rPr kumimoji="1" lang="en-US" altLang="ja-JP" sz="1400" dirty="0">
+                          <a:solidFill>
+                            <a:schemeClr val="bg1"/>
+                          </a:solidFill>
+                          <a:latin typeface="メイリオ 本文"/>
+                        </a:rPr>
+                        <a:t>)</a:t>
+                      </a:r>
+                    </a:p>
+                    <a:p>
+                      <a:pPr marL="0" marR="0" lvl="0" indent="0" algn="l" defTabSz="457200" rtl="0" eaLnBrk="1" fontAlgn="auto" latinLnBrk="0" hangingPunct="1">
+                        <a:lnSpc>
+                          <a:spcPct val="100000"/>
+                        </a:lnSpc>
+                        <a:spcBef>
+                          <a:spcPts val="0"/>
+                        </a:spcBef>
+                        <a:spcAft>
+                          <a:spcPts val="0"/>
+                        </a:spcAft>
+                        <a:buClrTx/>
+                        <a:buSzTx/>
+                        <a:buFontTx/>
+                        <a:buNone/>
+                        <a:tabLst/>
+                        <a:defRPr/>
+                      </a:pPr>
+                      <a:r>
+                        <a:rPr kumimoji="1" lang="en-US" altLang="ja-JP" sz="1400" dirty="0">
+                          <a:solidFill>
+                            <a:schemeClr val="bg1"/>
+                          </a:solidFill>
+                          <a:latin typeface="メイリオ 本文"/>
+                        </a:rPr>
+                        <a:t> 3.</a:t>
+                      </a:r>
+                      <a:r>
+                        <a:rPr kumimoji="1" lang="ja-JP" altLang="en-US" sz="1400" dirty="0">
+                          <a:solidFill>
+                            <a:schemeClr val="bg1"/>
+                          </a:solidFill>
+                          <a:latin typeface="メイリオ 本文"/>
+                        </a:rPr>
+                        <a:t>そのほか</a:t>
+                      </a:r>
+                      <a:r>
+                        <a:rPr kumimoji="1" lang="en-US" altLang="ja-JP" sz="1400" dirty="0">
+                          <a:solidFill>
+                            <a:schemeClr val="bg1"/>
+                          </a:solidFill>
+                          <a:latin typeface="メイリオ 本文"/>
+                        </a:rPr>
+                        <a:t>(70</a:t>
+                      </a:r>
+                      <a:r>
+                        <a:rPr kumimoji="1" lang="ja-JP" altLang="en-US" sz="1400" dirty="0">
+                          <a:solidFill>
+                            <a:schemeClr val="bg1"/>
+                          </a:solidFill>
+                          <a:latin typeface="メイリオ 本文"/>
+                        </a:rPr>
+                        <a:t>歳～</a:t>
+                      </a:r>
+                      <a:r>
+                        <a:rPr kumimoji="1" lang="en-US" altLang="ja-JP" sz="1400" dirty="0">
+                          <a:solidFill>
+                            <a:schemeClr val="bg1"/>
+                          </a:solidFill>
+                          <a:latin typeface="メイリオ 本文"/>
+                        </a:rPr>
+                        <a:t>)</a:t>
+                      </a:r>
+                    </a:p>
+                    <a:p>
+                      <a:r>
+                        <a:rPr kumimoji="1" lang="ja-JP" altLang="en-US" sz="1600" dirty="0">
+                          <a:solidFill>
+                            <a:schemeClr val="bg1"/>
+                          </a:solidFill>
+                          <a:latin typeface="メイリオ 本文"/>
+                        </a:rPr>
+                        <a:t>■今後</a:t>
+                      </a:r>
+                      <a:endParaRPr kumimoji="1" lang="en-US" altLang="ja-JP" sz="1600" dirty="0">
+                        <a:solidFill>
+                          <a:schemeClr val="bg1"/>
+                        </a:solidFill>
+                        <a:latin typeface="メイリオ 本文"/>
+                      </a:endParaRPr>
+                    </a:p>
+                    <a:p>
+                      <a:r>
+                        <a:rPr kumimoji="1" lang="ja-JP" altLang="en-US" sz="1600" dirty="0">
+                          <a:solidFill>
+                            <a:schemeClr val="bg1"/>
+                          </a:solidFill>
+                          <a:latin typeface="メイリオ 本文"/>
+                        </a:rPr>
+                        <a:t> 大きな変化なし</a:t>
+                      </a:r>
+                    </a:p>
+                  </a:txBody>
+                  <a:tcPr/>
+                </a:tc>
+                <a:tc>
+                  <a:txBody>
+                    <a:bodyPr/>
+                    <a:lstStyle/>
+                    <a:p>
+                      <a:r>
+                        <a:rPr kumimoji="1" lang="ja-JP" altLang="en-US" sz="1600" dirty="0">
+                          <a:solidFill>
+                            <a:schemeClr val="bg1"/>
+                          </a:solidFill>
+                          <a:latin typeface="メイリオ 本文"/>
+                        </a:rPr>
+                        <a:t>■現状</a:t>
+                      </a:r>
+                      <a:r>
+                        <a:rPr kumimoji="1" lang="en-US" altLang="ja-JP" sz="1600" dirty="0">
+                          <a:solidFill>
+                            <a:schemeClr val="bg1"/>
+                          </a:solidFill>
+                          <a:latin typeface="メイリオ 本文"/>
+                        </a:rPr>
+                        <a:t>(pos</a:t>
+                      </a:r>
+                      <a:r>
+                        <a:rPr kumimoji="1" lang="ja-JP" altLang="en-US" sz="1600" dirty="0">
+                          <a:solidFill>
+                            <a:schemeClr val="bg1"/>
+                          </a:solidFill>
+                          <a:latin typeface="メイリオ 本文"/>
+                        </a:rPr>
+                        <a:t>レジサービス</a:t>
+                      </a:r>
+                      <a:r>
+                        <a:rPr kumimoji="1" lang="en-US" altLang="ja-JP" sz="1600" dirty="0">
+                          <a:solidFill>
+                            <a:schemeClr val="bg1"/>
+                          </a:solidFill>
+                          <a:latin typeface="メイリオ 本文"/>
+                        </a:rPr>
+                        <a:t>)</a:t>
+                      </a:r>
+                    </a:p>
+                    <a:p>
+                      <a:r>
+                        <a:rPr kumimoji="1" lang="en-US" altLang="ja-JP" sz="1400" dirty="0">
+                          <a:solidFill>
+                            <a:schemeClr val="bg1"/>
+                          </a:solidFill>
+                          <a:latin typeface="メイリオ 本文"/>
+                        </a:rPr>
+                        <a:t>※</a:t>
+                      </a:r>
+                      <a:r>
+                        <a:rPr kumimoji="1" lang="ja-JP" altLang="en-US" sz="1400" dirty="0">
+                          <a:solidFill>
+                            <a:schemeClr val="bg1"/>
+                          </a:solidFill>
+                          <a:latin typeface="メイリオ 本文"/>
+                        </a:rPr>
+                        <a:t>仮定：</a:t>
+                      </a:r>
+                      <a:endParaRPr kumimoji="1" lang="en-US" altLang="ja-JP" sz="1600" dirty="0">
+                        <a:solidFill>
+                          <a:schemeClr val="bg1"/>
+                        </a:solidFill>
+                        <a:latin typeface="メイリオ 本文"/>
+                      </a:endParaRPr>
+                    </a:p>
+                    <a:p>
+                      <a:r>
+                        <a:rPr kumimoji="1" lang="en-US" altLang="ja-JP" sz="1400" dirty="0">
+                          <a:solidFill>
+                            <a:schemeClr val="bg1"/>
+                          </a:solidFill>
+                          <a:latin typeface="メイリオ 本文"/>
+                        </a:rPr>
+                        <a:t> 1.</a:t>
+                      </a:r>
+                      <a:r>
+                        <a:rPr kumimoji="1" lang="ja-JP" altLang="en-US" sz="1400" dirty="0">
+                          <a:solidFill>
+                            <a:schemeClr val="bg1"/>
+                          </a:solidFill>
+                          <a:latin typeface="メイリオ 本文"/>
+                        </a:rPr>
+                        <a:t>飲食店</a:t>
+                      </a:r>
+                      <a:endParaRPr kumimoji="1" lang="en-US" altLang="ja-JP" sz="1400" dirty="0">
+                        <a:solidFill>
+                          <a:schemeClr val="bg1"/>
+                        </a:solidFill>
+                        <a:latin typeface="メイリオ 本文"/>
+                      </a:endParaRPr>
+                    </a:p>
+                    <a:p>
+                      <a:r>
+                        <a:rPr kumimoji="1" lang="en-US" altLang="ja-JP" sz="1400" dirty="0">
+                          <a:solidFill>
+                            <a:schemeClr val="bg1"/>
+                          </a:solidFill>
+                          <a:latin typeface="メイリオ 本文"/>
+                        </a:rPr>
+                        <a:t> 2.</a:t>
+                      </a:r>
+                      <a:r>
+                        <a:rPr kumimoji="1" lang="ja-JP" altLang="en-US" sz="1400" dirty="0">
+                          <a:solidFill>
+                            <a:schemeClr val="bg1"/>
+                          </a:solidFill>
+                          <a:latin typeface="メイリオ 本文"/>
+                        </a:rPr>
+                        <a:t>飲食以外</a:t>
+                      </a:r>
+                      <a:r>
+                        <a:rPr kumimoji="1" lang="en-US" altLang="ja-JP" sz="1400" dirty="0">
+                          <a:solidFill>
+                            <a:schemeClr val="bg1"/>
+                          </a:solidFill>
+                          <a:latin typeface="メイリオ 本文"/>
+                        </a:rPr>
+                        <a:t>-</a:t>
+                      </a:r>
+                      <a:r>
+                        <a:rPr kumimoji="1" lang="ja-JP" altLang="en-US" sz="1400" dirty="0">
+                          <a:solidFill>
+                            <a:schemeClr val="bg1"/>
+                          </a:solidFill>
+                          <a:latin typeface="メイリオ 本文"/>
+                        </a:rPr>
+                        <a:t>小型</a:t>
+                      </a:r>
+                      <a:r>
+                        <a:rPr kumimoji="1" lang="en-US" altLang="ja-JP" sz="1400" dirty="0">
+                          <a:solidFill>
+                            <a:schemeClr val="bg1"/>
+                          </a:solidFill>
+                          <a:latin typeface="メイリオ 本文"/>
+                        </a:rPr>
+                        <a:t>(</a:t>
+                      </a:r>
+                      <a:r>
+                        <a:rPr kumimoji="1" lang="ja-JP" altLang="en-US" sz="1400" dirty="0">
+                          <a:solidFill>
+                            <a:schemeClr val="bg1"/>
+                          </a:solidFill>
+                          <a:latin typeface="メイリオ 本文"/>
+                        </a:rPr>
+                        <a:t>美容室等</a:t>
+                      </a:r>
+                      <a:r>
+                        <a:rPr kumimoji="1" lang="en-US" altLang="ja-JP" sz="1400" dirty="0">
+                          <a:solidFill>
+                            <a:schemeClr val="bg1"/>
+                          </a:solidFill>
+                          <a:latin typeface="メイリオ 本文"/>
+                        </a:rPr>
+                        <a:t>)</a:t>
+                      </a:r>
+                    </a:p>
+                    <a:p>
+                      <a:pPr marL="0" marR="0" lvl="0" indent="0" algn="l" defTabSz="457200" rtl="0" eaLnBrk="1" fontAlgn="auto" latinLnBrk="0" hangingPunct="1">
+                        <a:lnSpc>
+                          <a:spcPct val="100000"/>
+                        </a:lnSpc>
+                        <a:spcBef>
+                          <a:spcPts val="0"/>
+                        </a:spcBef>
+                        <a:spcAft>
+                          <a:spcPts val="0"/>
+                        </a:spcAft>
+                        <a:buClrTx/>
+                        <a:buSzTx/>
+                        <a:buFontTx/>
+                        <a:buNone/>
+                        <a:tabLst/>
+                        <a:defRPr/>
+                      </a:pPr>
+                      <a:r>
+                        <a:rPr kumimoji="1" lang="en-US" altLang="ja-JP" sz="1400" dirty="0">
+                          <a:solidFill>
+                            <a:schemeClr val="bg1"/>
+                          </a:solidFill>
+                          <a:latin typeface="メイリオ 本文"/>
+                        </a:rPr>
+                        <a:t> 3.</a:t>
+                      </a:r>
+                      <a:r>
+                        <a:rPr kumimoji="1" lang="ja-JP" altLang="en-US" sz="1400" dirty="0">
+                          <a:solidFill>
+                            <a:schemeClr val="bg1"/>
+                          </a:solidFill>
+                          <a:latin typeface="メイリオ 本文"/>
+                        </a:rPr>
+                        <a:t>飲食以外</a:t>
+                      </a:r>
+                      <a:r>
+                        <a:rPr kumimoji="1" lang="en-US" altLang="ja-JP" sz="1400" dirty="0">
+                          <a:solidFill>
+                            <a:schemeClr val="bg1"/>
+                          </a:solidFill>
+                          <a:latin typeface="メイリオ 本文"/>
+                        </a:rPr>
+                        <a:t>-</a:t>
+                      </a:r>
+                      <a:r>
+                        <a:rPr kumimoji="1" lang="ja-JP" altLang="en-US" sz="1400" dirty="0">
+                          <a:solidFill>
+                            <a:schemeClr val="bg1"/>
+                          </a:solidFill>
+                          <a:latin typeface="メイリオ 本文"/>
+                        </a:rPr>
+                        <a:t>大型</a:t>
+                      </a:r>
+                      <a:r>
+                        <a:rPr kumimoji="1" lang="en-US" altLang="ja-JP" sz="1400" dirty="0">
+                          <a:solidFill>
+                            <a:schemeClr val="bg1"/>
+                          </a:solidFill>
+                          <a:latin typeface="メイリオ 本文"/>
+                        </a:rPr>
+                        <a:t>(</a:t>
+                      </a:r>
+                      <a:r>
+                        <a:rPr kumimoji="1" lang="ja-JP" altLang="en-US" sz="1400" dirty="0">
+                          <a:solidFill>
+                            <a:schemeClr val="bg1"/>
+                          </a:solidFill>
+                          <a:latin typeface="メイリオ 本文"/>
+                        </a:rPr>
+                        <a:t>百貨店等</a:t>
+                      </a:r>
+                      <a:r>
+                        <a:rPr kumimoji="1" lang="en-US" altLang="ja-JP" sz="1400" dirty="0">
+                          <a:solidFill>
+                            <a:schemeClr val="bg1"/>
+                          </a:solidFill>
+                          <a:latin typeface="メイリオ 本文"/>
+                        </a:rPr>
+                        <a:t>)</a:t>
+                      </a:r>
+                    </a:p>
+                    <a:p>
+                      <a:r>
+                        <a:rPr kumimoji="1" lang="ja-JP" altLang="en-US" sz="1600" dirty="0">
+                          <a:solidFill>
+                            <a:schemeClr val="bg1"/>
+                          </a:solidFill>
+                          <a:latin typeface="メイリオ 本文"/>
+                        </a:rPr>
+                        <a:t>■今後</a:t>
+                      </a:r>
+                      <a:endParaRPr kumimoji="1" lang="en-US" altLang="ja-JP" sz="1600" dirty="0">
+                        <a:solidFill>
+                          <a:schemeClr val="bg1"/>
+                        </a:solidFill>
+                        <a:latin typeface="メイリオ 本文"/>
+                      </a:endParaRPr>
+                    </a:p>
+                    <a:p>
+                      <a:r>
+                        <a:rPr kumimoji="1" lang="ja-JP" altLang="en-US" sz="1600" dirty="0">
+                          <a:solidFill>
+                            <a:schemeClr val="bg1"/>
+                          </a:solidFill>
+                          <a:latin typeface="メイリオ 本文"/>
+                        </a:rPr>
+                        <a:t>大きな変化なし</a:t>
+                      </a:r>
+                    </a:p>
+                  </a:txBody>
+                  <a:tcPr/>
+                </a:tc>
+                <a:extLst>
+                  <a:ext uri="{0D108BD9-81ED-4DB2-BD59-A6C34878D82A}">
+                    <a16:rowId xmlns:a16="http://schemas.microsoft.com/office/drawing/2014/main" val="4279855482"/>
+                  </a:ext>
+                </a:extLst>
+              </a:tr>
+              <a:tr h="770467">
+                <a:tc>
+                  <a:txBody>
+                    <a:bodyPr/>
+                    <a:lstStyle/>
+                    <a:p>
+                      <a:pPr marL="0" marR="0" lvl="0" indent="0" algn="l" defTabSz="457200" rtl="0" eaLnBrk="1" fontAlgn="auto" latinLnBrk="0" hangingPunct="1">
+                        <a:lnSpc>
+                          <a:spcPct val="100000"/>
+                        </a:lnSpc>
+                        <a:spcBef>
+                          <a:spcPts val="0"/>
+                        </a:spcBef>
+                        <a:spcAft>
+                          <a:spcPts val="0"/>
+                        </a:spcAft>
+                        <a:buClrTx/>
+                        <a:buSzTx/>
+                        <a:buFontTx/>
+                        <a:buNone/>
+                        <a:tabLst/>
+                        <a:defRPr/>
+                      </a:pPr>
+                      <a:r>
+                        <a:rPr kumimoji="1" lang="ja-JP" altLang="en-US" sz="1600" b="1" dirty="0">
+                          <a:solidFill>
+                            <a:schemeClr val="bg1"/>
+                          </a:solidFill>
+                          <a:latin typeface="メイリオ 本文"/>
+                        </a:rPr>
+                        <a:t>ターゲティング</a:t>
+                      </a:r>
+                    </a:p>
+                    <a:p>
+                      <a:endParaRPr kumimoji="1" lang="ja-JP" altLang="en-US" sz="1600" dirty="0">
+                        <a:solidFill>
+                          <a:schemeClr val="bg1"/>
+                        </a:solidFill>
+                        <a:latin typeface="メイリオ 本文"/>
+                      </a:endParaRPr>
+                    </a:p>
+                  </a:txBody>
+                  <a:tcPr/>
+                </a:tc>
+                <a:tc>
+                  <a:txBody>
+                    <a:bodyPr/>
+                    <a:lstStyle/>
+                    <a:p>
+                      <a:r>
+                        <a:rPr kumimoji="1" lang="ja-JP" altLang="en-US" sz="1600" dirty="0">
+                          <a:solidFill>
+                            <a:schemeClr val="bg1"/>
+                          </a:solidFill>
+                          <a:latin typeface="メイリオ 本文"/>
+                        </a:rPr>
+                        <a:t>■現状</a:t>
+                      </a:r>
+                      <a:endParaRPr kumimoji="1" lang="en-US" altLang="ja-JP" sz="1600" dirty="0">
+                        <a:solidFill>
+                          <a:schemeClr val="bg1"/>
+                        </a:solidFill>
+                        <a:latin typeface="メイリオ 本文"/>
+                      </a:endParaRPr>
+                    </a:p>
+                    <a:p>
+                      <a:r>
+                        <a:rPr kumimoji="1" lang="en-US" altLang="ja-JP" sz="1600" dirty="0">
+                          <a:solidFill>
+                            <a:schemeClr val="bg1"/>
+                          </a:solidFill>
+                          <a:latin typeface="メイリオ 本文"/>
+                        </a:rPr>
+                        <a:t>2.</a:t>
+                      </a:r>
+                      <a:r>
+                        <a:rPr kumimoji="1" lang="ja-JP" altLang="en-US" sz="1600" dirty="0">
+                          <a:solidFill>
+                            <a:schemeClr val="bg1"/>
+                          </a:solidFill>
+                          <a:latin typeface="メイリオ 本文"/>
+                        </a:rPr>
+                        <a:t>労働世代</a:t>
+                      </a:r>
+                      <a:endParaRPr kumimoji="1" lang="en-US" altLang="ja-JP" sz="1600" dirty="0">
+                        <a:solidFill>
+                          <a:schemeClr val="bg1"/>
+                        </a:solidFill>
+                        <a:latin typeface="メイリオ 本文"/>
+                      </a:endParaRPr>
+                    </a:p>
+                    <a:p>
+                      <a:r>
+                        <a:rPr kumimoji="1" lang="en-US" altLang="ja-JP" sz="1400" dirty="0">
+                          <a:solidFill>
+                            <a:schemeClr val="bg1"/>
+                          </a:solidFill>
+                          <a:latin typeface="メイリオ 本文"/>
+                        </a:rPr>
+                        <a:t> ※</a:t>
+                      </a:r>
+                      <a:r>
+                        <a:rPr kumimoji="1" lang="ja-JP" altLang="en-US" sz="1400" dirty="0">
+                          <a:solidFill>
+                            <a:schemeClr val="bg1"/>
+                          </a:solidFill>
+                          <a:latin typeface="メイリオ 本文"/>
+                        </a:rPr>
+                        <a:t>集中型マーケティング</a:t>
+                      </a:r>
+                      <a:endParaRPr kumimoji="1" lang="en-US" altLang="ja-JP" sz="1400" dirty="0">
+                        <a:solidFill>
+                          <a:schemeClr val="bg1"/>
+                        </a:solidFill>
+                        <a:latin typeface="メイリオ 本文"/>
+                      </a:endParaRPr>
+                    </a:p>
+                    <a:p>
+                      <a:r>
+                        <a:rPr kumimoji="1" lang="en-US" altLang="ja-JP" sz="1400" dirty="0">
+                          <a:solidFill>
+                            <a:schemeClr val="bg1"/>
+                          </a:solidFill>
+                          <a:latin typeface="メイリオ 本文"/>
+                        </a:rPr>
+                        <a:t> (</a:t>
+                      </a:r>
+                      <a:r>
+                        <a:rPr kumimoji="1" lang="ja-JP" altLang="en-US" sz="1400" dirty="0">
+                          <a:solidFill>
+                            <a:schemeClr val="bg1"/>
+                          </a:solidFill>
+                          <a:latin typeface="メイリオ 本文"/>
+                        </a:rPr>
+                        <a:t>セグメントごとに投資内容を変えない</a:t>
+                      </a:r>
+                      <a:r>
+                        <a:rPr kumimoji="1" lang="en-US" altLang="ja-JP" sz="1400" dirty="0">
+                          <a:solidFill>
+                            <a:schemeClr val="bg1"/>
+                          </a:solidFill>
+                          <a:latin typeface="メイリオ 本文"/>
+                        </a:rPr>
+                        <a:t>)</a:t>
+                      </a:r>
+                    </a:p>
+                    <a:p>
+                      <a:r>
+                        <a:rPr kumimoji="1" lang="ja-JP" altLang="en-US" sz="1600" dirty="0">
+                          <a:solidFill>
+                            <a:schemeClr val="bg1"/>
+                          </a:solidFill>
+                          <a:latin typeface="メイリオ 本文"/>
+                        </a:rPr>
+                        <a:t>■今後</a:t>
+                      </a:r>
+                      <a:endParaRPr kumimoji="1" lang="en-US" altLang="ja-JP" sz="1600" dirty="0">
+                        <a:solidFill>
+                          <a:schemeClr val="bg1"/>
+                        </a:solidFill>
+                        <a:latin typeface="メイリオ 本文"/>
+                      </a:endParaRPr>
+                    </a:p>
+                    <a:p>
+                      <a:pPr marL="0" marR="0" lvl="0" indent="0" algn="l" defTabSz="457200" rtl="0" eaLnBrk="1" fontAlgn="auto" latinLnBrk="0" hangingPunct="1">
+                        <a:lnSpc>
+                          <a:spcPct val="100000"/>
+                        </a:lnSpc>
+                        <a:spcBef>
+                          <a:spcPts val="0"/>
+                        </a:spcBef>
+                        <a:spcAft>
+                          <a:spcPts val="0"/>
+                        </a:spcAft>
+                        <a:buClrTx/>
+                        <a:buSzTx/>
+                        <a:buFontTx/>
+                        <a:buNone/>
+                        <a:tabLst/>
+                        <a:defRPr/>
+                      </a:pPr>
+                      <a:r>
+                        <a:rPr kumimoji="1" lang="ja-JP" altLang="en-US" sz="1600" dirty="0">
+                          <a:solidFill>
+                            <a:schemeClr val="bg1"/>
+                          </a:solidFill>
+                          <a:latin typeface="メイリオ 本文"/>
+                        </a:rPr>
+                        <a:t> 大きな変化なし</a:t>
+                      </a:r>
+                    </a:p>
+                  </a:txBody>
+                  <a:tcPr/>
+                </a:tc>
+                <a:tc>
+                  <a:txBody>
+                    <a:bodyPr/>
+                    <a:lstStyle/>
+                    <a:p>
+                      <a:r>
+                        <a:rPr kumimoji="1" lang="ja-JP" altLang="en-US" sz="1600" dirty="0">
+                          <a:solidFill>
+                            <a:schemeClr val="bg1"/>
+                          </a:solidFill>
+                          <a:latin typeface="メイリオ 本文"/>
+                        </a:rPr>
+                        <a:t>■現状</a:t>
+                      </a:r>
+                      <a:endParaRPr kumimoji="1" lang="en-US" altLang="ja-JP" sz="1600" dirty="0">
+                        <a:solidFill>
+                          <a:schemeClr val="bg1"/>
+                        </a:solidFill>
+                        <a:latin typeface="メイリオ 本文"/>
+                      </a:endParaRPr>
+                    </a:p>
+                    <a:p>
+                      <a:r>
+                        <a:rPr kumimoji="1" lang="en-US" altLang="ja-JP" sz="1600" dirty="0">
+                          <a:solidFill>
+                            <a:schemeClr val="bg1"/>
+                          </a:solidFill>
+                          <a:latin typeface="メイリオ 本文"/>
+                        </a:rPr>
+                        <a:t>1.  , 2. </a:t>
+                      </a:r>
+                    </a:p>
+                    <a:p>
+                      <a:r>
+                        <a:rPr kumimoji="1" lang="en-US" altLang="ja-JP" sz="1400" dirty="0">
+                          <a:solidFill>
+                            <a:schemeClr val="bg1"/>
+                          </a:solidFill>
+                          <a:latin typeface="メイリオ 本文"/>
+                        </a:rPr>
+                        <a:t> ※</a:t>
+                      </a:r>
+                      <a:r>
+                        <a:rPr kumimoji="1" lang="ja-JP" altLang="en-US" sz="1400" dirty="0">
+                          <a:solidFill>
+                            <a:schemeClr val="bg1"/>
+                          </a:solidFill>
+                          <a:latin typeface="メイリオ 本文"/>
+                        </a:rPr>
+                        <a:t>集中型マーケティング </a:t>
+                      </a:r>
+                      <a:endParaRPr kumimoji="1" lang="en-US" altLang="ja-JP" sz="1400" dirty="0">
+                        <a:solidFill>
+                          <a:schemeClr val="bg1"/>
+                        </a:solidFill>
+                        <a:latin typeface="メイリオ 本文"/>
+                      </a:endParaRPr>
+                    </a:p>
+                    <a:p>
+                      <a:r>
+                        <a:rPr kumimoji="1" lang="en-US" altLang="ja-JP" sz="1400" dirty="0">
+                          <a:solidFill>
+                            <a:schemeClr val="bg1"/>
+                          </a:solidFill>
+                          <a:latin typeface="メイリオ 本文"/>
+                        </a:rPr>
+                        <a:t> (</a:t>
+                      </a:r>
+                      <a:r>
+                        <a:rPr kumimoji="1" lang="ja-JP" altLang="en-US" sz="1400" dirty="0">
+                          <a:solidFill>
+                            <a:schemeClr val="bg1"/>
+                          </a:solidFill>
+                          <a:latin typeface="メイリオ 本文"/>
+                        </a:rPr>
+                        <a:t>初期投資もままならない店舗向けに、初期投資</a:t>
+                      </a:r>
+                      <a:r>
+                        <a:rPr kumimoji="1" lang="en-US" altLang="ja-JP" sz="1400" dirty="0">
+                          <a:solidFill>
+                            <a:schemeClr val="bg1"/>
+                          </a:solidFill>
+                          <a:latin typeface="メイリオ 本文"/>
+                        </a:rPr>
+                        <a:t>0</a:t>
+                      </a:r>
+                      <a:r>
+                        <a:rPr kumimoji="1" lang="ja-JP" altLang="en-US" sz="1400" dirty="0">
+                          <a:solidFill>
+                            <a:schemeClr val="bg1"/>
+                          </a:solidFill>
+                          <a:latin typeface="メイリオ 本文"/>
+                        </a:rPr>
+                        <a:t>円を売りに差別化</a:t>
+                      </a:r>
+                      <a:r>
+                        <a:rPr kumimoji="1" lang="en-US" altLang="ja-JP" sz="1400" dirty="0">
+                          <a:solidFill>
+                            <a:schemeClr val="bg1"/>
+                          </a:solidFill>
+                          <a:latin typeface="メイリオ 本文"/>
+                        </a:rPr>
+                        <a:t>)</a:t>
+                      </a:r>
+                    </a:p>
+                    <a:p>
+                      <a:r>
+                        <a:rPr kumimoji="1" lang="ja-JP" altLang="en-US" sz="1600" dirty="0">
+                          <a:solidFill>
+                            <a:schemeClr val="bg1"/>
+                          </a:solidFill>
+                          <a:latin typeface="メイリオ 本文"/>
+                        </a:rPr>
+                        <a:t>■今後</a:t>
+                      </a:r>
+                      <a:endParaRPr kumimoji="1" lang="en-US" altLang="ja-JP" sz="1600" dirty="0">
+                        <a:solidFill>
+                          <a:schemeClr val="bg1"/>
+                        </a:solidFill>
+                        <a:latin typeface="メイリオ 本文"/>
+                      </a:endParaRPr>
+                    </a:p>
+                    <a:p>
+                      <a:pPr marL="0" marR="0" lvl="0" indent="0" algn="l" defTabSz="457200" rtl="0" eaLnBrk="1" fontAlgn="auto" latinLnBrk="0" hangingPunct="1">
+                        <a:lnSpc>
+                          <a:spcPct val="100000"/>
+                        </a:lnSpc>
+                        <a:spcBef>
+                          <a:spcPts val="0"/>
+                        </a:spcBef>
+                        <a:spcAft>
+                          <a:spcPts val="0"/>
+                        </a:spcAft>
+                        <a:buClrTx/>
+                        <a:buSzTx/>
+                        <a:buFontTx/>
+                        <a:buNone/>
+                        <a:tabLst/>
+                        <a:defRPr/>
+                      </a:pPr>
+                      <a:r>
+                        <a:rPr kumimoji="1" lang="ja-JP" altLang="en-US" sz="1600" dirty="0">
+                          <a:solidFill>
+                            <a:schemeClr val="bg1"/>
+                          </a:solidFill>
+                          <a:latin typeface="メイリオ 本文"/>
+                        </a:rPr>
+                        <a:t> </a:t>
+                      </a:r>
+                      <a:r>
+                        <a:rPr kumimoji="1" lang="en-US" altLang="ja-JP" sz="1600" dirty="0">
+                          <a:solidFill>
+                            <a:schemeClr val="bg1"/>
+                          </a:solidFill>
+                          <a:latin typeface="メイリオ 本文"/>
+                        </a:rPr>
+                        <a:t>3.</a:t>
+                      </a:r>
+                      <a:r>
+                        <a:rPr kumimoji="1" lang="ja-JP" altLang="en-US" sz="1600" dirty="0">
+                          <a:solidFill>
+                            <a:schemeClr val="bg1"/>
+                          </a:solidFill>
+                          <a:latin typeface="メイリオ 本文"/>
+                        </a:rPr>
+                        <a:t>も今後拡大予定</a:t>
+                      </a:r>
+                    </a:p>
+                  </a:txBody>
+                  <a:tcPr/>
+                </a:tc>
+                <a:extLst>
+                  <a:ext uri="{0D108BD9-81ED-4DB2-BD59-A6C34878D82A}">
+                    <a16:rowId xmlns:a16="http://schemas.microsoft.com/office/drawing/2014/main" val="2844422846"/>
+                  </a:ext>
+                </a:extLst>
+              </a:tr>
+              <a:tr h="770467">
+                <a:tc>
+                  <a:txBody>
+                    <a:bodyPr/>
+                    <a:lstStyle/>
+                    <a:p>
+                      <a:r>
+                        <a:rPr kumimoji="1" lang="ja-JP" altLang="en-US" sz="1600" b="1" dirty="0">
+                          <a:solidFill>
+                            <a:schemeClr val="bg1"/>
+                          </a:solidFill>
+                          <a:latin typeface="メイリオ 本文"/>
+                        </a:rPr>
+                        <a:t>ポジショニング</a:t>
+                      </a:r>
+                    </a:p>
+                  </a:txBody>
+                  <a:tcPr/>
+                </a:tc>
+                <a:tc>
+                  <a:txBody>
+                    <a:bodyPr/>
+                    <a:lstStyle/>
+                    <a:p>
+                      <a:r>
+                        <a:rPr kumimoji="1" lang="ja-JP" altLang="en-US" sz="1600" dirty="0">
+                          <a:solidFill>
+                            <a:schemeClr val="bg1"/>
+                          </a:solidFill>
+                          <a:latin typeface="メイリオ 本文"/>
+                        </a:rPr>
+                        <a:t>■現状</a:t>
+                      </a:r>
+                      <a:endParaRPr kumimoji="1" lang="en-US" altLang="ja-JP" sz="1600" dirty="0">
+                        <a:solidFill>
+                          <a:schemeClr val="bg1"/>
+                        </a:solidFill>
+                        <a:latin typeface="メイリオ 本文"/>
+                      </a:endParaRPr>
+                    </a:p>
+                    <a:p>
+                      <a:r>
+                        <a:rPr kumimoji="1" lang="ja-JP" altLang="en-US" sz="1600" dirty="0">
+                          <a:solidFill>
+                            <a:schemeClr val="bg1"/>
+                          </a:solidFill>
+                          <a:latin typeface="メイリオ 本文"/>
+                        </a:rPr>
+                        <a:t> 巣ごもり需要により、飲食の場に自宅も有力な候補</a:t>
+                      </a:r>
+                      <a:endParaRPr kumimoji="1" lang="en-US" altLang="ja-JP" sz="1600" dirty="0">
+                        <a:solidFill>
+                          <a:schemeClr val="bg1"/>
+                        </a:solidFill>
+                        <a:latin typeface="メイリオ 本文"/>
+                      </a:endParaRPr>
+                    </a:p>
+                    <a:p>
+                      <a:r>
+                        <a:rPr kumimoji="1" lang="ja-JP" altLang="en-US" sz="1600" dirty="0">
+                          <a:solidFill>
+                            <a:schemeClr val="bg1"/>
+                          </a:solidFill>
+                          <a:latin typeface="メイリオ 本文"/>
+                        </a:rPr>
+                        <a:t>■今後</a:t>
+                      </a:r>
+                      <a:endParaRPr kumimoji="1" lang="en-US" altLang="ja-JP" sz="1600" dirty="0">
+                        <a:solidFill>
+                          <a:schemeClr val="bg1"/>
+                        </a:solidFill>
+                        <a:latin typeface="メイリオ 本文"/>
+                      </a:endParaRPr>
+                    </a:p>
+                    <a:p>
+                      <a:r>
+                        <a:rPr kumimoji="1" lang="ja-JP" altLang="en-US" sz="1600" dirty="0">
+                          <a:solidFill>
+                            <a:schemeClr val="bg1"/>
+                          </a:solidFill>
+                          <a:latin typeface="メイリオ 本文"/>
+                        </a:rPr>
+                        <a:t> 需要は戻るが、</a:t>
+                      </a:r>
+                      <a:r>
+                        <a:rPr kumimoji="1" lang="en-US" altLang="ja-JP" sz="1600" dirty="0">
+                          <a:solidFill>
+                            <a:schemeClr val="bg1"/>
+                          </a:solidFill>
+                          <a:latin typeface="メイリオ 本文"/>
+                        </a:rPr>
+                        <a:t>”</a:t>
+                      </a:r>
+                      <a:r>
+                        <a:rPr kumimoji="1" lang="ja-JP" altLang="en-US" sz="1600" dirty="0">
+                          <a:solidFill>
+                            <a:schemeClr val="bg1"/>
+                          </a:solidFill>
+                          <a:latin typeface="メイリオ 本文"/>
+                        </a:rPr>
+                        <a:t>配達</a:t>
+                      </a:r>
+                      <a:r>
+                        <a:rPr kumimoji="1" lang="en-US" altLang="ja-JP" sz="1600" dirty="0">
+                          <a:solidFill>
+                            <a:schemeClr val="bg1"/>
+                          </a:solidFill>
+                          <a:latin typeface="メイリオ 本文"/>
+                        </a:rPr>
+                        <a:t>”</a:t>
+                      </a:r>
+                      <a:r>
+                        <a:rPr kumimoji="1" lang="ja-JP" altLang="en-US" sz="1600" dirty="0">
+                          <a:solidFill>
+                            <a:schemeClr val="bg1"/>
+                          </a:solidFill>
+                          <a:latin typeface="メイリオ 本文"/>
+                        </a:rPr>
+                        <a:t>サービスのシェアがコロナ前より拡大</a:t>
+                      </a:r>
+                    </a:p>
+                  </a:txBody>
+                  <a:tcPr/>
+                </a:tc>
+                <a:tc>
+                  <a:txBody>
+                    <a:bodyPr/>
+                    <a:lstStyle/>
+                    <a:p>
+                      <a:r>
+                        <a:rPr kumimoji="1" lang="ja-JP" altLang="en-US" sz="1600" dirty="0">
+                          <a:solidFill>
+                            <a:schemeClr val="bg1"/>
+                          </a:solidFill>
+                          <a:latin typeface="メイリオ 本文"/>
+                        </a:rPr>
+                        <a:t>■現状</a:t>
+                      </a:r>
+                      <a:endParaRPr kumimoji="1" lang="en-US" altLang="ja-JP" sz="1600" dirty="0">
+                        <a:solidFill>
+                          <a:schemeClr val="bg1"/>
+                        </a:solidFill>
+                        <a:latin typeface="メイリオ 本文"/>
+                      </a:endParaRPr>
+                    </a:p>
+                    <a:p>
+                      <a:r>
+                        <a:rPr kumimoji="1" lang="ja-JP" altLang="en-US" sz="1600" dirty="0">
+                          <a:solidFill>
+                            <a:schemeClr val="bg1"/>
+                          </a:solidFill>
+                          <a:latin typeface="メイリオ 本文"/>
+                        </a:rPr>
+                        <a:t> </a:t>
+                      </a:r>
+                      <a:r>
+                        <a:rPr kumimoji="1" lang="en-US" altLang="ja-JP" sz="1600" dirty="0">
+                          <a:solidFill>
+                            <a:schemeClr val="bg1"/>
+                          </a:solidFill>
+                          <a:latin typeface="メイリオ 本文"/>
+                        </a:rPr>
+                        <a:t>1.,2.</a:t>
+                      </a:r>
+                      <a:r>
+                        <a:rPr kumimoji="1" lang="ja-JP" altLang="en-US" sz="1600" dirty="0">
+                          <a:solidFill>
+                            <a:schemeClr val="bg1"/>
+                          </a:solidFill>
+                          <a:latin typeface="メイリオ 本文"/>
+                        </a:rPr>
+                        <a:t>のセグメントにおいてシェア</a:t>
+                      </a:r>
+                      <a:r>
+                        <a:rPr kumimoji="1" lang="en-US" altLang="ja-JP" sz="1600" dirty="0">
+                          <a:solidFill>
+                            <a:schemeClr val="bg1"/>
+                          </a:solidFill>
+                          <a:latin typeface="メイリオ 本文"/>
+                        </a:rPr>
+                        <a:t>x% </a:t>
+                      </a:r>
+                    </a:p>
+                    <a:p>
+                      <a:r>
+                        <a:rPr kumimoji="1" lang="en-US" altLang="ja-JP" sz="1600" b="1" dirty="0">
+                          <a:solidFill>
+                            <a:srgbClr val="FF0000"/>
+                          </a:solidFill>
+                          <a:latin typeface="メイリオ 本文"/>
+                        </a:rPr>
+                        <a:t>※80%</a:t>
+                      </a:r>
+                      <a:r>
+                        <a:rPr kumimoji="1" lang="ja-JP" altLang="en-US" sz="1600" b="1" dirty="0">
+                          <a:solidFill>
+                            <a:srgbClr val="FF0000"/>
+                          </a:solidFill>
+                          <a:latin typeface="メイリオ 本文"/>
+                        </a:rPr>
+                        <a:t>以上と仮定</a:t>
+                      </a:r>
+                      <a:endParaRPr kumimoji="1" lang="en-US" altLang="ja-JP" sz="1600" b="1" dirty="0">
+                        <a:solidFill>
+                          <a:srgbClr val="FF0000"/>
+                        </a:solidFill>
+                        <a:latin typeface="メイリオ 本文"/>
+                      </a:endParaRPr>
+                    </a:p>
+                    <a:p>
+                      <a:r>
+                        <a:rPr kumimoji="1" lang="ja-JP" altLang="en-US" sz="1600" dirty="0">
+                          <a:solidFill>
+                            <a:schemeClr val="bg1"/>
+                          </a:solidFill>
+                          <a:latin typeface="メイリオ 本文"/>
+                        </a:rPr>
+                        <a:t>■今後</a:t>
+                      </a:r>
+                      <a:endParaRPr kumimoji="1" lang="en-US" altLang="ja-JP" sz="1600" dirty="0">
+                        <a:solidFill>
+                          <a:schemeClr val="bg1"/>
+                        </a:solidFill>
+                        <a:latin typeface="メイリオ 本文"/>
+                      </a:endParaRPr>
+                    </a:p>
+                    <a:p>
+                      <a:r>
+                        <a:rPr kumimoji="1" lang="ja-JP" altLang="en-US" sz="1600" dirty="0">
+                          <a:solidFill>
+                            <a:schemeClr val="bg1"/>
+                          </a:solidFill>
+                          <a:latin typeface="メイリオ 本文"/>
+                        </a:rPr>
+                        <a:t> コロナの影響もあり、ターゲティング対象の減少</a:t>
+                      </a:r>
+                    </a:p>
+                  </a:txBody>
+                  <a:tcPr/>
+                </a:tc>
+                <a:extLst>
+                  <a:ext uri="{0D108BD9-81ED-4DB2-BD59-A6C34878D82A}">
+                    <a16:rowId xmlns:a16="http://schemas.microsoft.com/office/drawing/2014/main" val="2736457345"/>
+                  </a:ext>
+                </a:extLst>
+              </a:tr>
+            </a:tbl>
+          </a:graphicData>
+        </a:graphic>
+      </p:graphicFrame>
+      <p:sp>
+        <p:nvSpPr>
+          <p:cNvPr id="4" name="四角形: 角を丸くする 3">
+            <a:extLst>
+              <a:ext uri="{FF2B5EF4-FFF2-40B4-BE49-F238E27FC236}">
+                <a16:creationId xmlns:a16="http://schemas.microsoft.com/office/drawing/2014/main" id="{D40FD9AC-9262-A6A4-E779-C99E52569B04}"/>
+              </a:ext>
+            </a:extLst>
+          </p:cNvPr>
+          <p:cNvSpPr/>
+          <p:nvPr/>
+        </p:nvSpPr>
+        <p:spPr>
+          <a:xfrm>
+            <a:off x="1144533" y="6036657"/>
+            <a:ext cx="9718262" cy="760347"/>
+          </a:xfrm>
+          <a:prstGeom prst="roundRect">
+            <a:avLst/>
+          </a:prstGeom>
+          <a:ln w="38100">
+            <a:solidFill>
+              <a:srgbClr val="FF0000"/>
+            </a:solidFill>
+          </a:ln>
+        </p:spPr>
+        <p:style>
+          <a:lnRef idx="2">
+            <a:schemeClr val="accent1"/>
+          </a:lnRef>
+          <a:fillRef idx="1">
+            <a:schemeClr val="lt1"/>
+          </a:fillRef>
+          <a:effectRef idx="0">
+            <a:schemeClr val="accent1"/>
+          </a:effectRef>
+          <a:fontRef idx="minor">
+            <a:schemeClr val="dk1"/>
+          </a:fontRef>
+        </p:style>
+        <p:txBody>
+          <a:bodyPr rtlCol="0" anchor="ctr"/>
           <a:lstStyle/>
           <a:p>
-            <a:endParaRPr kumimoji="1" lang="ja-JP" altLang="en-US"/>
+            <a:pPr algn="ctr"/>
+            <a:r>
+              <a:rPr kumimoji="1" lang="en-US" altLang="ja-JP" b="1" dirty="0"/>
+              <a:t>&lt;</a:t>
+            </a:r>
+            <a:r>
+              <a:rPr kumimoji="1" lang="ja-JP" altLang="en-US" b="1" dirty="0"/>
+              <a:t>結果</a:t>
+            </a:r>
+            <a:r>
+              <a:rPr kumimoji="1" lang="en-US" altLang="ja-JP" b="1" dirty="0"/>
+              <a:t>&gt;</a:t>
+            </a:r>
+            <a:r>
+              <a:rPr kumimoji="1" lang="ja-JP" altLang="en-US" b="1" dirty="0"/>
+              <a:t>導入元</a:t>
+            </a:r>
+            <a:r>
+              <a:rPr kumimoji="1" lang="en-US" altLang="ja-JP" b="1" dirty="0"/>
+              <a:t>/</a:t>
+            </a:r>
+            <a:r>
+              <a:rPr kumimoji="1" lang="ja-JP" altLang="en-US" b="1" dirty="0"/>
+              <a:t>先双方に利益が見込めるため、製品戦略として「需要予測機能」の導入と、</a:t>
+            </a:r>
+            <a:endParaRPr kumimoji="1" lang="en-US" altLang="ja-JP" b="1" dirty="0"/>
+          </a:p>
+          <a:p>
+            <a:pPr algn="ctr"/>
+            <a:r>
+              <a:rPr kumimoji="1" lang="ja-JP" altLang="en-US" b="1" dirty="0"/>
+              <a:t>ロイヤリティ・ブランド向上を見込んで「気候要素反映」効果を検討しました</a:t>
+            </a:r>
+            <a:endParaRPr kumimoji="1" lang="ja-JP" altLang="en-US" dirty="0"/>
+          </a:p>
+        </p:txBody>
+      </p:sp>
+      <p:sp>
+        <p:nvSpPr>
+          <p:cNvPr id="8" name="吹き出し: 角を丸めた四角形 7">
+            <a:extLst>
+              <a:ext uri="{FF2B5EF4-FFF2-40B4-BE49-F238E27FC236}">
+                <a16:creationId xmlns:a16="http://schemas.microsoft.com/office/drawing/2014/main" id="{55851972-6F3B-B0A3-8101-6FA8F90F2D71}"/>
+              </a:ext>
+            </a:extLst>
+          </p:cNvPr>
+          <p:cNvSpPr/>
+          <p:nvPr/>
+        </p:nvSpPr>
+        <p:spPr>
+          <a:xfrm>
+            <a:off x="10104255" y="3428999"/>
+            <a:ext cx="2087745" cy="2414295"/>
+          </a:xfrm>
+          <a:prstGeom prst="wedgeRoundRectCallout">
+            <a:avLst>
+              <a:gd name="adj1" fmla="val -59436"/>
+              <a:gd name="adj2" fmla="val 12662"/>
+              <a:gd name="adj3" fmla="val 16667"/>
+            </a:avLst>
+          </a:prstGeom>
+          <a:ln>
+            <a:solidFill>
+              <a:srgbClr val="0070C0"/>
+            </a:solidFill>
+          </a:ln>
+        </p:spPr>
+        <p:style>
+          <a:lnRef idx="2">
+            <a:schemeClr val="accent2"/>
+          </a:lnRef>
+          <a:fillRef idx="1">
+            <a:schemeClr val="lt1"/>
+          </a:fillRef>
+          <a:effectRef idx="0">
+            <a:schemeClr val="accent2"/>
+          </a:effectRef>
+          <a:fontRef idx="minor">
+            <a:schemeClr val="dk1"/>
+          </a:fontRef>
+        </p:style>
+        <p:txBody>
+          <a:bodyPr rtlCol="0" anchor="ctr"/>
+          <a:lstStyle/>
+          <a:p>
+            <a:r>
+              <a:rPr kumimoji="1" lang="ja-JP" altLang="en-US" sz="1400" dirty="0">
+                <a:solidFill>
+                  <a:schemeClr val="bg1"/>
+                </a:solidFill>
+              </a:rPr>
+              <a:t>■戦略として</a:t>
+            </a:r>
+            <a:endParaRPr kumimoji="1" lang="en-US" altLang="ja-JP" sz="1400" dirty="0">
+              <a:solidFill>
+                <a:schemeClr val="bg1"/>
+              </a:solidFill>
+            </a:endParaRPr>
+          </a:p>
+          <a:p>
+            <a:r>
+              <a:rPr kumimoji="1" lang="ja-JP" altLang="en-US" sz="1400" dirty="0">
+                <a:solidFill>
+                  <a:schemeClr val="bg1"/>
+                </a:solidFill>
+              </a:rPr>
+              <a:t>価格戦略：なし</a:t>
+            </a:r>
+            <a:endParaRPr kumimoji="1" lang="en-US" altLang="ja-JP" sz="1400" dirty="0">
+              <a:solidFill>
+                <a:schemeClr val="bg1"/>
+              </a:solidFill>
+            </a:endParaRPr>
+          </a:p>
+          <a:p>
+            <a:r>
+              <a:rPr kumimoji="1" lang="ja-JP" altLang="en-US" sz="1400" dirty="0">
+                <a:solidFill>
+                  <a:schemeClr val="bg1"/>
+                </a:solidFill>
+              </a:rPr>
+              <a:t>製品戦略：あり</a:t>
+            </a:r>
+            <a:endParaRPr kumimoji="1" lang="en-US" altLang="ja-JP" sz="1400" dirty="0">
+              <a:solidFill>
+                <a:schemeClr val="bg1"/>
+              </a:solidFill>
+            </a:endParaRPr>
+          </a:p>
+          <a:p>
+            <a:r>
+              <a:rPr kumimoji="1" lang="ja-JP" altLang="en-US" sz="1400" dirty="0">
+                <a:solidFill>
+                  <a:schemeClr val="bg1"/>
+                </a:solidFill>
+              </a:rPr>
+              <a:t>チャネル戦略：不要</a:t>
+            </a:r>
           </a:p>
         </p:txBody>
       </p:sp>
     </p:spTree>
     <p:extLst>
       <p:ext uri="{BB962C8B-B14F-4D97-AF65-F5344CB8AC3E}">
-        <p14:creationId xmlns:p14="http://schemas.microsoft.com/office/powerpoint/2010/main" val="1988372554"/>
+        <p14:creationId xmlns:p14="http://schemas.microsoft.com/office/powerpoint/2010/main" val="2710731831"/>
       </p:ext>
     </p:extLst>
   </p:cSld>
@@ -12765,756 +15476,64 @@
           <a:chExt cx="0" cy="0"/>
         </a:xfrm>
       </p:grpSpPr>
-      <p:graphicFrame>
-        <p:nvGraphicFramePr>
-          <p:cNvPr id="3" name="表 3">
+      <p:sp>
+        <p:nvSpPr>
+          <p:cNvPr id="2" name="タイトル 1">
             <a:extLst>
               <a:ext uri="{FF2B5EF4-FFF2-40B4-BE49-F238E27FC236}">
-                <a16:creationId xmlns:a16="http://schemas.microsoft.com/office/drawing/2014/main" id="{A63C59EC-CC67-47E3-BD08-1ADF24020FAB}"/>
+                <a16:creationId xmlns:a16="http://schemas.microsoft.com/office/drawing/2014/main" id="{EFCD6918-6C03-D4DF-D91E-8ED8090CFAAD}"/>
               </a:ext>
             </a:extLst>
           </p:cNvPr>
-          <p:cNvGraphicFramePr>
-            <a:graphicFrameLocks noGrp="1"/>
-          </p:cNvGraphicFramePr>
+          <p:cNvSpPr>
+            <a:spLocks noGrp="1"/>
+          </p:cNvSpPr>
           <p:nvPr>
-            <p:extLst>
-              <p:ext uri="{D42A27DB-BD31-4B8C-83A1-F6EECF244321}">
-                <p14:modId xmlns:p14="http://schemas.microsoft.com/office/powerpoint/2010/main" val="3170608209"/>
-              </p:ext>
-            </p:extLst>
+            <p:ph type="title"/>
           </p:nvPr>
-        </p:nvGraphicFramePr>
-        <p:xfrm>
-          <a:off x="239406" y="929117"/>
-          <a:ext cx="11713187" cy="4999766"/>
-        </p:xfrm>
-        <a:graphic>
-          <a:graphicData uri="http://schemas.openxmlformats.org/drawingml/2006/table">
-            <a:tbl>
-              <a:tblPr firstRow="1" bandRow="1">
-                <a:tableStyleId>{638B1855-1B75-4FBE-930C-398BA8C253C6}</a:tableStyleId>
-              </a:tblPr>
-              <a:tblGrid>
-                <a:gridCol w="2729745">
-                  <a:extLst>
-                    <a:ext uri="{9D8B030D-6E8A-4147-A177-3AD203B41FA5}">
-                      <a16:colId xmlns:a16="http://schemas.microsoft.com/office/drawing/2014/main" val="3830409214"/>
-                    </a:ext>
-                  </a:extLst>
-                </a:gridCol>
-                <a:gridCol w="8983442">
-                  <a:extLst>
-                    <a:ext uri="{9D8B030D-6E8A-4147-A177-3AD203B41FA5}">
-                      <a16:colId xmlns:a16="http://schemas.microsoft.com/office/drawing/2014/main" val="2152645026"/>
-                    </a:ext>
-                  </a:extLst>
-                </a:gridCol>
-              </a:tblGrid>
-              <a:tr h="469565">
-                <a:tc>
-                  <a:txBody>
-                    <a:bodyPr/>
-                    <a:lstStyle/>
-                    <a:p>
-                      <a:r>
-                        <a:rPr kumimoji="1" lang="ja-JP" altLang="en-US" dirty="0"/>
-                        <a:t>問題の設定</a:t>
-                      </a:r>
-                    </a:p>
-                  </a:txBody>
-                  <a:tcPr/>
-                </a:tc>
-                <a:tc>
-                  <a:txBody>
-                    <a:bodyPr/>
-                    <a:lstStyle/>
-                    <a:p>
-                      <a:r>
-                        <a:rPr kumimoji="1" lang="ja-JP" altLang="en-US" dirty="0"/>
-                        <a:t>・需要予測</a:t>
-                      </a:r>
-                      <a:r>
-                        <a:rPr kumimoji="1" lang="en-US" altLang="ja-JP" dirty="0"/>
-                        <a:t>(+</a:t>
-                      </a:r>
-                      <a:r>
-                        <a:rPr kumimoji="1" lang="ja-JP" altLang="en-US" dirty="0"/>
-                        <a:t>気候情報</a:t>
-                      </a:r>
-                      <a:r>
-                        <a:rPr kumimoji="1" lang="en-US" altLang="ja-JP" dirty="0"/>
-                        <a:t>)</a:t>
-                      </a:r>
-                      <a:r>
-                        <a:rPr kumimoji="1" lang="ja-JP" altLang="en-US" dirty="0"/>
-                        <a:t>による業務改善の有効性検証</a:t>
-                      </a:r>
-                    </a:p>
-                  </a:txBody>
-                  <a:tcPr/>
-                </a:tc>
-                <a:extLst>
-                  <a:ext uri="{0D108BD9-81ED-4DB2-BD59-A6C34878D82A}">
-                    <a16:rowId xmlns:a16="http://schemas.microsoft.com/office/drawing/2014/main" val="1333727035"/>
-                  </a:ext>
-                </a:extLst>
-              </a:tr>
-              <a:tr h="1122688">
-                <a:tc>
-                  <a:txBody>
-                    <a:bodyPr/>
-                    <a:lstStyle/>
-                    <a:p>
-                      <a:r>
-                        <a:rPr kumimoji="1" lang="ja-JP" altLang="en-US" dirty="0"/>
-                        <a:t>リサーチ・デザイン</a:t>
-                      </a:r>
-                      <a:endParaRPr kumimoji="1" lang="en-US" altLang="ja-JP" dirty="0"/>
-                    </a:p>
-                    <a:p>
-                      <a:r>
-                        <a:rPr kumimoji="1" lang="ja-JP" altLang="en-US" dirty="0"/>
-                        <a:t>の決定</a:t>
-                      </a:r>
-                    </a:p>
-                  </a:txBody>
-                  <a:tcPr/>
-                </a:tc>
-                <a:tc>
-                  <a:txBody>
-                    <a:bodyPr/>
-                    <a:lstStyle/>
-                    <a:p>
-                      <a:r>
-                        <a:rPr kumimoji="1" lang="en-US" altLang="ja-JP" dirty="0">
-                          <a:solidFill>
-                            <a:srgbClr val="FFC000"/>
-                          </a:solidFill>
-                        </a:rPr>
-                        <a:t>(</a:t>
-                      </a:r>
-                      <a:r>
-                        <a:rPr kumimoji="1" lang="ja-JP" altLang="en-US" dirty="0">
-                          <a:solidFill>
-                            <a:srgbClr val="FFC000"/>
-                          </a:solidFill>
-                        </a:rPr>
-                        <a:t>探索型リサーチ</a:t>
-                      </a:r>
-                      <a:r>
-                        <a:rPr kumimoji="1" lang="en-US" altLang="ja-JP" dirty="0">
-                          <a:solidFill>
-                            <a:srgbClr val="FFC000"/>
-                          </a:solidFill>
-                        </a:rPr>
-                        <a:t>…※</a:t>
-                      </a:r>
-                      <a:r>
-                        <a:rPr kumimoji="1" lang="ja-JP" altLang="en-US" dirty="0">
-                          <a:solidFill>
-                            <a:srgbClr val="FFC000"/>
-                          </a:solidFill>
-                        </a:rPr>
-                        <a:t>お題が気候という縛りがあるため、気候の影響力を調査</a:t>
-                      </a:r>
-                      <a:r>
-                        <a:rPr kumimoji="1" lang="en-US" altLang="ja-JP" dirty="0">
-                          <a:solidFill>
-                            <a:srgbClr val="FFC000"/>
-                          </a:solidFill>
-                        </a:rPr>
-                        <a:t>)</a:t>
-                      </a:r>
-                    </a:p>
-                    <a:p>
-                      <a:endParaRPr kumimoji="1" lang="en-US" altLang="ja-JP" dirty="0"/>
-                    </a:p>
-                    <a:p>
-                      <a:r>
-                        <a:rPr kumimoji="1" lang="ja-JP" altLang="en-US" dirty="0"/>
-                        <a:t>・</a:t>
-                      </a:r>
-                      <a:r>
-                        <a:rPr kumimoji="1" lang="ja-JP" altLang="en-US" sz="1800" b="0" kern="1200" dirty="0">
-                          <a:solidFill>
-                            <a:schemeClr val="tx1"/>
-                          </a:solidFill>
-                          <a:effectLst/>
-                        </a:rPr>
-                        <a:t>記述型リサーチ</a:t>
-                      </a:r>
-                      <a:endParaRPr kumimoji="1" lang="en-US" altLang="ja-JP" sz="1800" b="0" kern="1200" dirty="0">
-                        <a:solidFill>
-                          <a:schemeClr val="tx1"/>
-                        </a:solidFill>
-                        <a:effectLst/>
-                      </a:endParaRPr>
-                    </a:p>
-                    <a:p>
-                      <a:r>
-                        <a:rPr kumimoji="1" lang="en-US" altLang="ja-JP" dirty="0"/>
-                        <a:t>(</a:t>
-                      </a:r>
-                      <a:r>
-                        <a:rPr kumimoji="1" lang="ja-JP" altLang="en-US" dirty="0"/>
-                        <a:t>因果型リサーチ</a:t>
-                      </a:r>
-                      <a:r>
-                        <a:rPr kumimoji="1" lang="en-US" altLang="ja-JP" dirty="0"/>
-                        <a:t>…</a:t>
-                      </a:r>
-                      <a:r>
-                        <a:rPr kumimoji="1" lang="ja-JP" altLang="en-US" dirty="0"/>
-                        <a:t>他事例から因果関係はあるとし、今回は割愛する</a:t>
-                      </a:r>
-                      <a:r>
-                        <a:rPr kumimoji="1" lang="en-US" altLang="ja-JP" dirty="0"/>
-                        <a:t>)</a:t>
-                      </a:r>
-                      <a:endParaRPr kumimoji="1" lang="en-US" altLang="ja-JP" b="0" dirty="0"/>
-                    </a:p>
-                  </a:txBody>
-                  <a:tcPr/>
-                </a:tc>
-                <a:extLst>
-                  <a:ext uri="{0D108BD9-81ED-4DB2-BD59-A6C34878D82A}">
-                    <a16:rowId xmlns:a16="http://schemas.microsoft.com/office/drawing/2014/main" val="115576726"/>
-                  </a:ext>
-                </a:extLst>
-              </a:tr>
-              <a:tr h="826881">
-                <a:tc>
-                  <a:txBody>
-                    <a:bodyPr/>
-                    <a:lstStyle/>
-                    <a:p>
-                      <a:r>
-                        <a:rPr kumimoji="1" lang="ja-JP" altLang="en-US" dirty="0"/>
-                        <a:t>データ収集の方法・</a:t>
-                      </a:r>
-                      <a:endParaRPr kumimoji="1" lang="en-US" altLang="ja-JP" dirty="0"/>
-                    </a:p>
-                    <a:p>
-                      <a:r>
-                        <a:rPr kumimoji="1" lang="ja-JP" altLang="en-US" dirty="0"/>
-                        <a:t>形式のデザイン</a:t>
-                      </a:r>
-                    </a:p>
-                  </a:txBody>
-                  <a:tcPr/>
-                </a:tc>
-                <a:tc>
-                  <a:txBody>
-                    <a:bodyPr/>
-                    <a:lstStyle/>
-                    <a:p>
-                      <a:r>
-                        <a:rPr kumimoji="1" lang="ja-JP" altLang="en-US" dirty="0"/>
-                        <a:t>■データ収集の方法</a:t>
-                      </a:r>
-                      <a:endParaRPr kumimoji="1" lang="en-US" altLang="ja-JP" dirty="0"/>
-                    </a:p>
-                    <a:p>
-                      <a:r>
-                        <a:rPr kumimoji="1" lang="en-US" altLang="ja-JP" dirty="0"/>
-                        <a:t>Kaggle(2</a:t>
-                      </a:r>
-                      <a:r>
-                        <a:rPr kumimoji="1" lang="ja-JP" altLang="en-US" dirty="0"/>
-                        <a:t>次データ：特定の目的で集めたデータではない</a:t>
-                      </a:r>
-                      <a:r>
-                        <a:rPr kumimoji="1" lang="en-US" altLang="ja-JP" dirty="0"/>
-                        <a:t>)</a:t>
-                      </a:r>
-                    </a:p>
-                  </a:txBody>
-                  <a:tcPr/>
-                </a:tc>
-                <a:extLst>
-                  <a:ext uri="{0D108BD9-81ED-4DB2-BD59-A6C34878D82A}">
-                    <a16:rowId xmlns:a16="http://schemas.microsoft.com/office/drawing/2014/main" val="965294598"/>
-                  </a:ext>
-                </a:extLst>
-              </a:tr>
-              <a:tr h="611867">
-                <a:tc>
-                  <a:txBody>
-                    <a:bodyPr/>
-                    <a:lstStyle/>
-                    <a:p>
-                      <a:r>
-                        <a:rPr kumimoji="1" lang="ja-JP" altLang="en-US" dirty="0"/>
-                        <a:t>測定尺度とデータ分析</a:t>
-                      </a:r>
-                    </a:p>
-                  </a:txBody>
-                  <a:tcPr/>
-                </a:tc>
-                <a:tc>
-                  <a:txBody>
-                    <a:bodyPr/>
-                    <a:lstStyle/>
-                    <a:p>
-                      <a:r>
-                        <a:rPr kumimoji="1" lang="ja-JP" altLang="en-US" dirty="0"/>
-                        <a:t>■測定尺度</a:t>
-                      </a:r>
-                      <a:endParaRPr kumimoji="1" lang="en-US" altLang="ja-JP" dirty="0"/>
-                    </a:p>
-                    <a:p>
-                      <a:r>
-                        <a:rPr kumimoji="1" lang="ja-JP" altLang="en-US" dirty="0"/>
-                        <a:t>来客数</a:t>
-                      </a:r>
-                      <a:r>
-                        <a:rPr kumimoji="1" lang="en-US" altLang="ja-JP" dirty="0"/>
-                        <a:t>(</a:t>
-                      </a:r>
-                      <a:r>
-                        <a:rPr kumimoji="1" lang="ja-JP" altLang="en-US" dirty="0"/>
-                        <a:t>比尺度</a:t>
-                      </a:r>
-                      <a:r>
-                        <a:rPr kumimoji="1" lang="en-US" altLang="ja-JP" dirty="0"/>
-                        <a:t>)</a:t>
-                      </a:r>
-                      <a:endParaRPr kumimoji="1" lang="ja-JP" altLang="en-US" dirty="0"/>
-                    </a:p>
-                  </a:txBody>
-                  <a:tcPr/>
-                </a:tc>
-                <a:extLst>
-                  <a:ext uri="{0D108BD9-81ED-4DB2-BD59-A6C34878D82A}">
-                    <a16:rowId xmlns:a16="http://schemas.microsoft.com/office/drawing/2014/main" val="809921767"/>
-                  </a:ext>
-                </a:extLst>
-              </a:tr>
-              <a:tr h="912184">
-                <a:tc>
-                  <a:txBody>
-                    <a:bodyPr/>
-                    <a:lstStyle/>
-                    <a:p>
-                      <a:r>
-                        <a:rPr kumimoji="1" lang="ja-JP" altLang="en-US" dirty="0"/>
-                        <a:t>調査報告</a:t>
-                      </a:r>
-                    </a:p>
-                  </a:txBody>
-                  <a:tcPr/>
-                </a:tc>
-                <a:tc>
-                  <a:txBody>
-                    <a:bodyPr/>
-                    <a:lstStyle/>
-                    <a:p>
-                      <a:r>
-                        <a:rPr kumimoji="1" lang="en-US" altLang="ja-JP" dirty="0">
-                          <a:solidFill>
-                            <a:srgbClr val="FFC000"/>
-                          </a:solidFill>
-                        </a:rPr>
-                        <a:t>※</a:t>
-                      </a:r>
-                      <a:r>
-                        <a:rPr kumimoji="1" lang="ja-JP" altLang="en-US" dirty="0">
-                          <a:solidFill>
-                            <a:srgbClr val="FFC000"/>
-                          </a:solidFill>
-                        </a:rPr>
-                        <a:t>本来なら、「探索型リサーチにより、</a:t>
-                      </a:r>
-                      <a:r>
-                        <a:rPr kumimoji="1" lang="en-US" altLang="ja-JP" dirty="0">
-                          <a:solidFill>
-                            <a:srgbClr val="FFC000"/>
-                          </a:solidFill>
-                        </a:rPr>
-                        <a:t>xxx</a:t>
-                      </a:r>
-                      <a:r>
-                        <a:rPr kumimoji="1" lang="ja-JP" altLang="en-US" dirty="0">
-                          <a:solidFill>
-                            <a:srgbClr val="FFC000"/>
-                          </a:solidFill>
-                        </a:rPr>
-                        <a:t>要素と、</a:t>
-                      </a:r>
-                      <a:r>
-                        <a:rPr kumimoji="1" lang="en-US" altLang="ja-JP" dirty="0" err="1">
-                          <a:solidFill>
-                            <a:srgbClr val="FFC000"/>
-                          </a:solidFill>
-                        </a:rPr>
-                        <a:t>yyyy</a:t>
-                      </a:r>
-                      <a:r>
-                        <a:rPr kumimoji="1" lang="ja-JP" altLang="en-US" dirty="0">
-                          <a:solidFill>
-                            <a:srgbClr val="FFC000"/>
-                          </a:solidFill>
-                        </a:rPr>
-                        <a:t>要素が候補であり、因果型リサーチの結果、</a:t>
-                      </a:r>
-                      <a:r>
-                        <a:rPr kumimoji="1" lang="en-US" altLang="ja-JP" dirty="0">
-                          <a:solidFill>
-                            <a:srgbClr val="FFC000"/>
-                          </a:solidFill>
-                        </a:rPr>
-                        <a:t>xxx</a:t>
-                      </a:r>
-                      <a:r>
-                        <a:rPr kumimoji="1" lang="ja-JP" altLang="en-US" dirty="0">
-                          <a:solidFill>
-                            <a:srgbClr val="FFC000"/>
-                          </a:solidFill>
-                        </a:rPr>
-                        <a:t>要素が因子の可能性が高く、記述型リサーチをしたところ、高精度で予測可能なことを示した」といった報告が理想</a:t>
-                      </a:r>
-                      <a:endParaRPr kumimoji="1" lang="en-US" altLang="ja-JP" dirty="0">
-                        <a:solidFill>
-                          <a:srgbClr val="FFC000"/>
-                        </a:solidFill>
-                      </a:endParaRPr>
-                    </a:p>
-                    <a:p>
-                      <a:endParaRPr kumimoji="1" lang="en-US" altLang="ja-JP" sz="900" dirty="0"/>
-                    </a:p>
-                    <a:p>
-                      <a:r>
-                        <a:rPr kumimoji="1" lang="ja-JP" altLang="en-US" dirty="0"/>
-                        <a:t>・</a:t>
-                      </a:r>
-                      <a:r>
-                        <a:rPr kumimoji="1" lang="ja-JP" altLang="en-US" sz="1800" b="0" kern="1200" dirty="0">
-                          <a:solidFill>
-                            <a:schemeClr val="tx1"/>
-                          </a:solidFill>
-                          <a:effectLst/>
-                        </a:rPr>
-                        <a:t>記述型リサーチ</a:t>
-                      </a:r>
-                      <a:endParaRPr kumimoji="1" lang="en-US" altLang="ja-JP" sz="1800" b="0" kern="1200" dirty="0">
-                        <a:solidFill>
-                          <a:schemeClr val="tx1"/>
-                        </a:solidFill>
-                        <a:effectLst/>
-                      </a:endParaRPr>
-                    </a:p>
-                    <a:p>
-                      <a:r>
-                        <a:rPr kumimoji="1" lang="ja-JP" altLang="en-US" sz="1800" b="0" kern="1200" dirty="0">
-                          <a:solidFill>
-                            <a:schemeClr val="tx1"/>
-                          </a:solidFill>
-                          <a:effectLst/>
-                        </a:rPr>
-                        <a:t>  →</a:t>
-                      </a:r>
-                      <a:r>
-                        <a:rPr kumimoji="1" lang="en-US" altLang="ja-JP" sz="1800" b="0" kern="1200" dirty="0" err="1">
-                          <a:solidFill>
-                            <a:schemeClr val="tx1"/>
-                          </a:solidFill>
-                          <a:effectLst/>
-                        </a:rPr>
-                        <a:t>XGBoost</a:t>
-                      </a:r>
-                      <a:r>
-                        <a:rPr kumimoji="1" lang="ja-JP" altLang="en-US" sz="1800" b="0" kern="1200" dirty="0">
-                          <a:solidFill>
-                            <a:schemeClr val="tx1"/>
-                          </a:solidFill>
-                          <a:effectLst/>
-                        </a:rPr>
-                        <a:t>アルゴリズムで予測したところ、 </a:t>
-                      </a:r>
-                      <a:r>
-                        <a:rPr kumimoji="1" lang="en-US" altLang="ja-JP" sz="1800" b="0" kern="1200" dirty="0">
-                          <a:solidFill>
-                            <a:schemeClr val="tx1"/>
-                          </a:solidFill>
-                          <a:effectLst/>
-                        </a:rPr>
-                        <a:t>RMSE:10</a:t>
-                      </a:r>
-                      <a:r>
-                        <a:rPr kumimoji="1" lang="ja-JP" altLang="en-US" sz="1800" b="0" kern="1200" dirty="0">
-                          <a:solidFill>
-                            <a:schemeClr val="tx1"/>
-                          </a:solidFill>
-                          <a:effectLst/>
-                        </a:rPr>
-                        <a:t>人</a:t>
-                      </a:r>
-                      <a:r>
-                        <a:rPr kumimoji="1" lang="en-US" altLang="ja-JP" sz="1800" b="0" kern="1200" dirty="0">
-                          <a:solidFill>
-                            <a:schemeClr val="tx1"/>
-                          </a:solidFill>
-                          <a:effectLst/>
-                        </a:rPr>
-                        <a:t>/</a:t>
-                      </a:r>
-                      <a:r>
-                        <a:rPr kumimoji="1" lang="ja-JP" altLang="en-US" sz="1800" b="0" kern="1200" dirty="0">
-                          <a:solidFill>
-                            <a:schemeClr val="tx1"/>
-                          </a:solidFill>
-                          <a:effectLst/>
-                        </a:rPr>
-                        <a:t>日で予測可能</a:t>
-                      </a:r>
-                      <a:endParaRPr kumimoji="1" lang="en-US" altLang="ja-JP" sz="1800" b="0" kern="1200" dirty="0">
-                        <a:solidFill>
-                          <a:schemeClr val="tx1"/>
-                        </a:solidFill>
-                        <a:effectLst/>
-                      </a:endParaRPr>
-                    </a:p>
-                    <a:p>
-                      <a:endParaRPr kumimoji="1" lang="ja-JP" altLang="en-US" dirty="0"/>
-                    </a:p>
-                  </a:txBody>
-                  <a:tcPr/>
-                </a:tc>
-                <a:extLst>
-                  <a:ext uri="{0D108BD9-81ED-4DB2-BD59-A6C34878D82A}">
-                    <a16:rowId xmlns:a16="http://schemas.microsoft.com/office/drawing/2014/main" val="297155763"/>
-                  </a:ext>
-                </a:extLst>
-              </a:tr>
-            </a:tbl>
-          </a:graphicData>
-        </a:graphic>
-      </p:graphicFrame>
-      <p:sp>
-        <p:nvSpPr>
-          <p:cNvPr id="4" name="タイトル 1">
+        </p:nvSpPr>
+        <p:spPr/>
+        <p:txBody>
+          <a:bodyPr/>
+          <a:lstStyle/>
+          <a:p>
+            <a:r>
+              <a:rPr lang="ja-JP" altLang="en-US" dirty="0"/>
+              <a:t>分析企画・結果</a:t>
+            </a:r>
+            <a:endParaRPr kumimoji="1" lang="ja-JP" altLang="en-US" dirty="0"/>
+          </a:p>
+        </p:txBody>
+      </p:sp>
+      <p:sp>
+        <p:nvSpPr>
+          <p:cNvPr id="3" name="テキスト プレースホルダー 2">
             <a:extLst>
               <a:ext uri="{FF2B5EF4-FFF2-40B4-BE49-F238E27FC236}">
-                <a16:creationId xmlns:a16="http://schemas.microsoft.com/office/drawing/2014/main" id="{84BA2DE3-DF44-1495-B6B4-BBA51C71A465}"/>
+                <a16:creationId xmlns:a16="http://schemas.microsoft.com/office/drawing/2014/main" id="{4BD7DB5A-CD70-122A-304B-8A6DB2FFA98D}"/>
               </a:ext>
             </a:extLst>
           </p:cNvPr>
-          <p:cNvSpPr txBox="1">
-            <a:spLocks/>
+          <p:cNvSpPr>
+            <a:spLocks noGrp="1"/>
           </p:cNvSpPr>
-          <p:nvPr/>
-        </p:nvSpPr>
-        <p:spPr>
-          <a:xfrm>
-            <a:off x="346152" y="169223"/>
-            <a:ext cx="10058400" cy="578200"/>
-          </a:xfrm>
-          <a:prstGeom prst="rect">
-            <a:avLst/>
-          </a:prstGeom>
-        </p:spPr>
+          <p:nvPr>
+            <p:ph type="body" idx="1"/>
+          </p:nvPr>
+        </p:nvSpPr>
+        <p:spPr/>
         <p:txBody>
           <a:bodyPr/>
-          <a:lstStyle>
-            <a:lvl1pPr algn="l" defTabSz="914400" rtl="0" eaLnBrk="1" latinLnBrk="0" hangingPunct="1">
-              <a:lnSpc>
-                <a:spcPct val="85000"/>
-              </a:lnSpc>
-              <a:spcBef>
-                <a:spcPct val="0"/>
-              </a:spcBef>
-              <a:buNone/>
-              <a:defRPr kumimoji="1" sz="4800" kern="1200" spc="-50" baseline="0">
-                <a:solidFill>
-                  <a:schemeClr val="tx1">
-                    <a:lumMod val="75000"/>
-                    <a:lumOff val="25000"/>
-                  </a:schemeClr>
-                </a:solidFill>
-                <a:latin typeface="+mj-lt"/>
-                <a:ea typeface="+mj-ea"/>
-                <a:cs typeface="+mj-cs"/>
-              </a:defRPr>
-            </a:lvl1pPr>
-          </a:lstStyle>
-          <a:p>
-            <a:r>
-              <a:rPr lang="ja-JP" altLang="en-US" dirty="0"/>
-              <a:t>リサーチ設計・結果サマリ</a:t>
-            </a:r>
-          </a:p>
-        </p:txBody>
-      </p:sp>
-      <p:sp>
-        <p:nvSpPr>
-          <p:cNvPr id="2" name="四角形: 角を丸くする 1">
-            <a:extLst>
-              <a:ext uri="{FF2B5EF4-FFF2-40B4-BE49-F238E27FC236}">
-                <a16:creationId xmlns:a16="http://schemas.microsoft.com/office/drawing/2014/main" id="{FF40539F-4F8E-FB39-93E5-36FBD1D34023}"/>
-              </a:ext>
-            </a:extLst>
-          </p:cNvPr>
-          <p:cNvSpPr/>
-          <p:nvPr/>
-        </p:nvSpPr>
-        <p:spPr>
-          <a:xfrm>
-            <a:off x="1160029" y="5735067"/>
-            <a:ext cx="9718262" cy="953710"/>
-          </a:xfrm>
-          <a:prstGeom prst="roundRect">
-            <a:avLst/>
-          </a:prstGeom>
-          <a:ln w="38100">
-            <a:solidFill>
-              <a:srgbClr val="FF0000"/>
-            </a:solidFill>
-          </a:ln>
-        </p:spPr>
-        <p:style>
-          <a:lnRef idx="2">
-            <a:schemeClr val="accent1"/>
-          </a:lnRef>
-          <a:fillRef idx="1">
-            <a:schemeClr val="lt1"/>
-          </a:fillRef>
-          <a:effectRef idx="0">
-            <a:schemeClr val="accent1"/>
-          </a:effectRef>
-          <a:fontRef idx="minor">
-            <a:schemeClr val="dk1"/>
-          </a:fontRef>
-        </p:style>
-        <p:txBody>
-          <a:bodyPr rtlCol="0" anchor="ctr"/>
           <a:lstStyle/>
           <a:p>
-            <a:pPr algn="ctr"/>
-            <a:r>
-              <a:rPr kumimoji="1" lang="en-US" altLang="ja-JP" b="1" dirty="0">
-                <a:solidFill>
-                  <a:srgbClr val="FFC000"/>
-                </a:solidFill>
-              </a:rPr>
-              <a:t>※</a:t>
-            </a:r>
-            <a:r>
-              <a:rPr kumimoji="1" lang="ja-JP" altLang="en-US" b="1" dirty="0">
-                <a:solidFill>
-                  <a:srgbClr val="FFC000"/>
-                </a:solidFill>
-              </a:rPr>
-              <a:t>実際の現場では、予測誤差</a:t>
-            </a:r>
-            <a:r>
-              <a:rPr kumimoji="1" lang="en-US" altLang="ja-JP" b="1" dirty="0">
-                <a:solidFill>
-                  <a:srgbClr val="FFC000"/>
-                </a:solidFill>
-              </a:rPr>
-              <a:t>x</a:t>
-            </a:r>
-            <a:r>
-              <a:rPr kumimoji="1" lang="ja-JP" altLang="en-US" b="1" dirty="0">
-                <a:solidFill>
-                  <a:srgbClr val="FFC000"/>
-                </a:solidFill>
-              </a:rPr>
-              <a:t>人なら利益が出るか計算の上、調査結果と比較して、「有効</a:t>
-            </a:r>
-            <a:r>
-              <a:rPr kumimoji="1" lang="en-US" altLang="ja-JP" b="1" dirty="0">
-                <a:solidFill>
-                  <a:srgbClr val="FFC000"/>
-                </a:solidFill>
-              </a:rPr>
-              <a:t>/</a:t>
-            </a:r>
-            <a:r>
-              <a:rPr kumimoji="1" lang="ja-JP" altLang="en-US" b="1" dirty="0">
-                <a:solidFill>
-                  <a:srgbClr val="FFC000"/>
-                </a:solidFill>
-              </a:rPr>
-              <a:t>無効」を判断するが、</a:t>
-            </a:r>
-            <a:r>
-              <a:rPr kumimoji="1" lang="en-US" altLang="ja-JP" b="1" dirty="0">
-                <a:solidFill>
-                  <a:srgbClr val="FFC000"/>
-                </a:solidFill>
-              </a:rPr>
-              <a:t>10</a:t>
-            </a:r>
-            <a:r>
-              <a:rPr kumimoji="1" lang="ja-JP" altLang="en-US" b="1" dirty="0">
-                <a:solidFill>
-                  <a:srgbClr val="FFC000"/>
-                </a:solidFill>
-              </a:rPr>
-              <a:t>名</a:t>
-            </a:r>
-            <a:r>
-              <a:rPr kumimoji="1" lang="en-US" altLang="ja-JP" b="1" dirty="0">
-                <a:solidFill>
-                  <a:srgbClr val="FFC000"/>
-                </a:solidFill>
-              </a:rPr>
-              <a:t>(=4,5</a:t>
-            </a:r>
-            <a:r>
-              <a:rPr kumimoji="1" lang="ja-JP" altLang="en-US" b="1" dirty="0">
-                <a:solidFill>
-                  <a:srgbClr val="FFC000"/>
-                </a:solidFill>
-              </a:rPr>
-              <a:t>組</a:t>
-            </a:r>
-            <a:r>
-              <a:rPr kumimoji="1" lang="en-US" altLang="ja-JP" b="1" dirty="0">
-                <a:solidFill>
-                  <a:srgbClr val="FFC000"/>
-                </a:solidFill>
-              </a:rPr>
-              <a:t>)</a:t>
-            </a:r>
-            <a:r>
-              <a:rPr kumimoji="1" lang="ja-JP" altLang="en-US" b="1" dirty="0">
-                <a:solidFill>
-                  <a:srgbClr val="FFC000"/>
-                </a:solidFill>
-              </a:rPr>
-              <a:t>予測が外れると、廃棄率やシフト調整がそこまで最適化されない </a:t>
-            </a:r>
-            <a:r>
-              <a:rPr kumimoji="1" lang="en-US" altLang="ja-JP" b="1" dirty="0">
-                <a:solidFill>
-                  <a:srgbClr val="FFC000"/>
-                </a:solidFill>
-              </a:rPr>
-              <a:t>= </a:t>
-            </a:r>
-            <a:r>
-              <a:rPr kumimoji="1" lang="ja-JP" altLang="en-US" b="1" dirty="0">
-                <a:solidFill>
-                  <a:srgbClr val="FFC000"/>
-                </a:solidFill>
-              </a:rPr>
-              <a:t>業務改善につながらないと判断し、ここでは無効と結論づける</a:t>
-            </a:r>
-            <a:endParaRPr kumimoji="1" lang="ja-JP" altLang="en-US" dirty="0">
-              <a:solidFill>
-                <a:srgbClr val="FFC000"/>
-              </a:solidFill>
-            </a:endParaRPr>
+            <a:endParaRPr kumimoji="1" lang="ja-JP" altLang="en-US"/>
           </a:p>
         </p:txBody>
       </p:sp>
     </p:spTree>
     <p:extLst>
       <p:ext uri="{BB962C8B-B14F-4D97-AF65-F5344CB8AC3E}">
-        <p14:creationId xmlns:p14="http://schemas.microsoft.com/office/powerpoint/2010/main" val="1157937083"/>
+        <p14:creationId xmlns:p14="http://schemas.microsoft.com/office/powerpoint/2010/main" val="1988372554"/>
       </p:ext>
     </p:extLst>
   </p:cSld>

--- a/分析提案書_サンプル.pptx
+++ b/分析提案書_サンプル.pptx
@@ -9930,7 +9930,17 @@
                 <a:effectLst/>
                 <a:latin typeface="Inter"/>
               </a:rPr>
-              <a:t>https://www.kaggle.com/code/castle451/weather-recuruit-work-r2</a:t>
+              <a:t>https://www.kaggle.com/code/</a:t>
+            </a:r>
+            <a:r>
+              <a:rPr lang="en-US" altLang="ja-JP" b="0" i="0">
+                <a:solidFill>
+                  <a:srgbClr val="FF0000"/>
+                </a:solidFill>
+                <a:effectLst/>
+                <a:latin typeface="Inter"/>
+              </a:rPr>
+              <a:t>castle451/weather-recruit-forecast-work-r2</a:t>
             </a:r>
             <a:endParaRPr kumimoji="1" lang="en-US" altLang="ja-JP" dirty="0">
               <a:solidFill>
